--- a/CPS2 Project1.pptx
+++ b/CPS2 Project1.pptx
@@ -8,17 +8,18 @@
     <p:sldId id="256" r:id="rId2"/>
     <p:sldId id="258" r:id="rId3"/>
     <p:sldId id="266" r:id="rId4"/>
-    <p:sldId id="260" r:id="rId5"/>
-    <p:sldId id="264" r:id="rId6"/>
-    <p:sldId id="265" r:id="rId7"/>
-    <p:sldId id="259" r:id="rId8"/>
-    <p:sldId id="261" r:id="rId9"/>
-    <p:sldId id="262" r:id="rId10"/>
-    <p:sldId id="263" r:id="rId11"/>
-    <p:sldId id="267" r:id="rId12"/>
-    <p:sldId id="268" r:id="rId13"/>
-    <p:sldId id="269" r:id="rId14"/>
-    <p:sldId id="257" r:id="rId15"/>
+    <p:sldId id="270" r:id="rId5"/>
+    <p:sldId id="260" r:id="rId6"/>
+    <p:sldId id="264" r:id="rId7"/>
+    <p:sldId id="265" r:id="rId8"/>
+    <p:sldId id="259" r:id="rId9"/>
+    <p:sldId id="261" r:id="rId10"/>
+    <p:sldId id="262" r:id="rId11"/>
+    <p:sldId id="263" r:id="rId12"/>
+    <p:sldId id="267" r:id="rId13"/>
+    <p:sldId id="268" r:id="rId14"/>
+    <p:sldId id="269" r:id="rId15"/>
+    <p:sldId id="257" r:id="rId16"/>
   </p:sldIdLst>
   <p:sldSz cx="12192000" cy="6858000"/>
   <p:notesSz cx="6858000" cy="9144000"/>
@@ -6225,7 +6226,7 @@
                 <a:latin typeface="Times New Roman" panose="02020603050405020304" pitchFamily="18" charset="0"/>
                 <a:cs typeface="Times New Roman" panose="02020603050405020304" pitchFamily="18" charset="0"/>
               </a:rPr>
-              <a:t>Dharmlaingam</a:t>
+              <a:t>Dharmalingam</a:t>
             </a:r>
             <a:r>
               <a:rPr lang="en-GB" dirty="0">
@@ -6278,6 +6279,66 @@
 </file>
 
 <file path=ppt/slides/slide10.xml><?xml version="1.0" encoding="utf-8"?>
+<p:sld xmlns:a="http://schemas.openxmlformats.org/drawingml/2006/main" xmlns:r="http://schemas.openxmlformats.org/officeDocument/2006/relationships" xmlns:p="http://schemas.openxmlformats.org/presentationml/2006/main">
+  <p:cSld>
+    <p:spTree>
+      <p:nvGrpSpPr>
+        <p:cNvPr id="1" name=""/>
+        <p:cNvGrpSpPr/>
+        <p:nvPr/>
+      </p:nvGrpSpPr>
+      <p:grpSpPr>
+        <a:xfrm>
+          <a:off x="0" y="0"/>
+          <a:ext cx="0" cy="0"/>
+          <a:chOff x="0" y="0"/>
+          <a:chExt cx="0" cy="0"/>
+        </a:xfrm>
+      </p:grpSpPr>
+      <p:pic>
+        <p:nvPicPr>
+          <p:cNvPr id="5" name="Picture 4">
+            <a:extLst>
+              <a:ext uri="{FF2B5EF4-FFF2-40B4-BE49-F238E27FC236}">
+                <a16:creationId xmlns:a16="http://schemas.microsoft.com/office/drawing/2014/main" id="{0884D79B-84F9-4BDC-BB89-5F973D0F0D66}"/>
+              </a:ext>
+            </a:extLst>
+          </p:cNvPr>
+          <p:cNvPicPr>
+            <a:picLocks noChangeAspect="1"/>
+          </p:cNvPicPr>
+          <p:nvPr/>
+        </p:nvPicPr>
+        <p:blipFill>
+          <a:blip r:embed="rId2"/>
+          <a:stretch>
+            <a:fillRect/>
+          </a:stretch>
+        </p:blipFill>
+        <p:spPr>
+          <a:xfrm>
+            <a:off x="1518960" y="828675"/>
+            <a:ext cx="10467975" cy="5200650"/>
+          </a:xfrm>
+          <a:prstGeom prst="rect">
+            <a:avLst/>
+          </a:prstGeom>
+        </p:spPr>
+      </p:pic>
+    </p:spTree>
+    <p:extLst>
+      <p:ext uri="{BB962C8B-B14F-4D97-AF65-F5344CB8AC3E}">
+        <p14:creationId xmlns:p14="http://schemas.microsoft.com/office/powerpoint/2010/main" val="1131567040"/>
+      </p:ext>
+    </p:extLst>
+  </p:cSld>
+  <p:clrMapOvr>
+    <a:masterClrMapping/>
+  </p:clrMapOvr>
+</p:sld>
+</file>
+
+<file path=ppt/slides/slide11.xml><?xml version="1.0" encoding="utf-8"?>
 <p:sld xmlns:a="http://schemas.openxmlformats.org/drawingml/2006/main" xmlns:r="http://schemas.openxmlformats.org/officeDocument/2006/relationships" xmlns:p="http://schemas.openxmlformats.org/presentationml/2006/main">
   <p:cSld>
     <p:spTree>
@@ -6337,7 +6398,7 @@
 </p:sld>
 </file>
 
-<file path=ppt/slides/slide11.xml><?xml version="1.0" encoding="utf-8"?>
+<file path=ppt/slides/slide12.xml><?xml version="1.0" encoding="utf-8"?>
 <p:sld xmlns:a="http://schemas.openxmlformats.org/drawingml/2006/main" xmlns:r="http://schemas.openxmlformats.org/officeDocument/2006/relationships" xmlns:p="http://schemas.openxmlformats.org/presentationml/2006/main">
   <p:cSld>
     <p:spTree>
@@ -6397,7 +6458,7 @@
 </p:sld>
 </file>
 
-<file path=ppt/slides/slide12.xml><?xml version="1.0" encoding="utf-8"?>
+<file path=ppt/slides/slide13.xml><?xml version="1.0" encoding="utf-8"?>
 <p:sld xmlns:a="http://schemas.openxmlformats.org/drawingml/2006/main" xmlns:r="http://schemas.openxmlformats.org/officeDocument/2006/relationships" xmlns:p="http://schemas.openxmlformats.org/presentationml/2006/main">
   <p:cSld>
     <p:spTree>
@@ -6600,7 +6661,7 @@
 </p:sld>
 </file>
 
-<file path=ppt/slides/slide13.xml><?xml version="1.0" encoding="utf-8"?>
+<file path=ppt/slides/slide14.xml><?xml version="1.0" encoding="utf-8"?>
 <p:sld xmlns:a="http://schemas.openxmlformats.org/drawingml/2006/main" xmlns:r="http://schemas.openxmlformats.org/officeDocument/2006/relationships" xmlns:p="http://schemas.openxmlformats.org/presentationml/2006/main">
   <p:cSld>
     <p:spTree>
@@ -7106,7 +7167,7 @@
 </p:sld>
 </file>
 
-<file path=ppt/slides/slide14.xml><?xml version="1.0" encoding="utf-8"?>
+<file path=ppt/slides/slide15.xml><?xml version="1.0" encoding="utf-8"?>
 <p:sld xmlns:a="http://schemas.openxmlformats.org/drawingml/2006/main" xmlns:r="http://schemas.openxmlformats.org/officeDocument/2006/relationships" xmlns:p="http://schemas.openxmlformats.org/presentationml/2006/main">
   <p:cSld>
     <p:bg>
@@ -7761,6 +7822,66 @@
       </p:grpSpPr>
       <p:pic>
         <p:nvPicPr>
+          <p:cNvPr id="5" name="Picture 4">
+            <a:extLst>
+              <a:ext uri="{FF2B5EF4-FFF2-40B4-BE49-F238E27FC236}">
+                <a16:creationId xmlns:a16="http://schemas.microsoft.com/office/drawing/2014/main" id="{CEF5C708-BAF3-4ACD-958D-1DDBF2D7BF63}"/>
+              </a:ext>
+            </a:extLst>
+          </p:cNvPr>
+          <p:cNvPicPr>
+            <a:picLocks noChangeAspect="1"/>
+          </p:cNvPicPr>
+          <p:nvPr/>
+        </p:nvPicPr>
+        <p:blipFill>
+          <a:blip r:embed="rId2"/>
+          <a:stretch>
+            <a:fillRect/>
+          </a:stretch>
+        </p:blipFill>
+        <p:spPr>
+          <a:xfrm>
+            <a:off x="2867025" y="90487"/>
+            <a:ext cx="6457950" cy="6677025"/>
+          </a:xfrm>
+          <a:prstGeom prst="rect">
+            <a:avLst/>
+          </a:prstGeom>
+        </p:spPr>
+      </p:pic>
+    </p:spTree>
+    <p:extLst>
+      <p:ext uri="{BB962C8B-B14F-4D97-AF65-F5344CB8AC3E}">
+        <p14:creationId xmlns:p14="http://schemas.microsoft.com/office/powerpoint/2010/main" val="2783974782"/>
+      </p:ext>
+    </p:extLst>
+  </p:cSld>
+  <p:clrMapOvr>
+    <a:masterClrMapping/>
+  </p:clrMapOvr>
+</p:sld>
+</file>
+
+<file path=ppt/slides/slide5.xml><?xml version="1.0" encoding="utf-8"?>
+<p:sld xmlns:a="http://schemas.openxmlformats.org/drawingml/2006/main" xmlns:r="http://schemas.openxmlformats.org/officeDocument/2006/relationships" xmlns:p="http://schemas.openxmlformats.org/presentationml/2006/main">
+  <p:cSld>
+    <p:spTree>
+      <p:nvGrpSpPr>
+        <p:cNvPr id="1" name=""/>
+        <p:cNvGrpSpPr/>
+        <p:nvPr/>
+      </p:nvGrpSpPr>
+      <p:grpSpPr>
+        <a:xfrm>
+          <a:off x="0" y="0"/>
+          <a:ext cx="0" cy="0"/>
+          <a:chOff x="0" y="0"/>
+          <a:chExt cx="0" cy="0"/>
+        </a:xfrm>
+      </p:grpSpPr>
+      <p:pic>
+        <p:nvPicPr>
           <p:cNvPr id="15" name="Picture 14">
             <a:extLst>
               <a:ext uri="{FF2B5EF4-FFF2-40B4-BE49-F238E27FC236}">
@@ -7832,7 +7953,7 @@
 </p:sld>
 </file>
 
-<file path=ppt/slides/slide5.xml><?xml version="1.0" encoding="utf-8"?>
+<file path=ppt/slides/slide6.xml><?xml version="1.0" encoding="utf-8"?>
 <p:sld xmlns:a="http://schemas.openxmlformats.org/drawingml/2006/main" xmlns:r="http://schemas.openxmlformats.org/officeDocument/2006/relationships" xmlns:p="http://schemas.openxmlformats.org/presentationml/2006/main">
   <p:cSld>
     <p:spTree>
@@ -7892,7 +8013,7 @@
 </p:sld>
 </file>
 
-<file path=ppt/slides/slide6.xml><?xml version="1.0" encoding="utf-8"?>
+<file path=ppt/slides/slide7.xml><?xml version="1.0" encoding="utf-8"?>
 <p:sld xmlns:a="http://schemas.openxmlformats.org/drawingml/2006/main" xmlns:r="http://schemas.openxmlformats.org/officeDocument/2006/relationships" xmlns:p="http://schemas.openxmlformats.org/presentationml/2006/main">
   <p:cSld>
     <p:spTree>
@@ -7952,7 +8073,7 @@
 </p:sld>
 </file>
 
-<file path=ppt/slides/slide7.xml><?xml version="1.0" encoding="utf-8"?>
+<file path=ppt/slides/slide8.xml><?xml version="1.0" encoding="utf-8"?>
 <p:sld xmlns:a="http://schemas.openxmlformats.org/drawingml/2006/main" xmlns:r="http://schemas.openxmlformats.org/officeDocument/2006/relationships" xmlns:p="http://schemas.openxmlformats.org/presentationml/2006/main">
   <p:cSld>
     <p:spTree>
@@ -8117,7 +8238,7 @@
 </p:sld>
 </file>
 
-<file path=ppt/slides/slide8.xml><?xml version="1.0" encoding="utf-8"?>
+<file path=ppt/slides/slide9.xml><?xml version="1.0" encoding="utf-8"?>
 <p:sld xmlns:a="http://schemas.openxmlformats.org/drawingml/2006/main" xmlns:r="http://schemas.openxmlformats.org/officeDocument/2006/relationships" xmlns:p="http://schemas.openxmlformats.org/presentationml/2006/main">
   <p:cSld>
     <p:spTree>
@@ -8168,66 +8289,6 @@
     <p:extLst>
       <p:ext uri="{BB962C8B-B14F-4D97-AF65-F5344CB8AC3E}">
         <p14:creationId xmlns:p14="http://schemas.microsoft.com/office/powerpoint/2010/main" val="97335800"/>
-      </p:ext>
-    </p:extLst>
-  </p:cSld>
-  <p:clrMapOvr>
-    <a:masterClrMapping/>
-  </p:clrMapOvr>
-</p:sld>
-</file>
-
-<file path=ppt/slides/slide9.xml><?xml version="1.0" encoding="utf-8"?>
-<p:sld xmlns:a="http://schemas.openxmlformats.org/drawingml/2006/main" xmlns:r="http://schemas.openxmlformats.org/officeDocument/2006/relationships" xmlns:p="http://schemas.openxmlformats.org/presentationml/2006/main">
-  <p:cSld>
-    <p:spTree>
-      <p:nvGrpSpPr>
-        <p:cNvPr id="1" name=""/>
-        <p:cNvGrpSpPr/>
-        <p:nvPr/>
-      </p:nvGrpSpPr>
-      <p:grpSpPr>
-        <a:xfrm>
-          <a:off x="0" y="0"/>
-          <a:ext cx="0" cy="0"/>
-          <a:chOff x="0" y="0"/>
-          <a:chExt cx="0" cy="0"/>
-        </a:xfrm>
-      </p:grpSpPr>
-      <p:pic>
-        <p:nvPicPr>
-          <p:cNvPr id="5" name="Picture 4">
-            <a:extLst>
-              <a:ext uri="{FF2B5EF4-FFF2-40B4-BE49-F238E27FC236}">
-                <a16:creationId xmlns:a16="http://schemas.microsoft.com/office/drawing/2014/main" id="{0884D79B-84F9-4BDC-BB89-5F973D0F0D66}"/>
-              </a:ext>
-            </a:extLst>
-          </p:cNvPr>
-          <p:cNvPicPr>
-            <a:picLocks noChangeAspect="1"/>
-          </p:cNvPicPr>
-          <p:nvPr/>
-        </p:nvPicPr>
-        <p:blipFill>
-          <a:blip r:embed="rId2"/>
-          <a:stretch>
-            <a:fillRect/>
-          </a:stretch>
-        </p:blipFill>
-        <p:spPr>
-          <a:xfrm>
-            <a:off x="1518960" y="828675"/>
-            <a:ext cx="10467975" cy="5200650"/>
-          </a:xfrm>
-          <a:prstGeom prst="rect">
-            <a:avLst/>
-          </a:prstGeom>
-        </p:spPr>
-      </p:pic>
-    </p:spTree>
-    <p:extLst>
-      <p:ext uri="{BB962C8B-B14F-4D97-AF65-F5344CB8AC3E}">
-        <p14:creationId xmlns:p14="http://schemas.microsoft.com/office/powerpoint/2010/main" val="1131567040"/>
       </p:ext>
     </p:extLst>
   </p:cSld>

--- a/CPS2 Project1.pptx
+++ b/CPS2 Project1.pptx
@@ -18,8 +18,9 @@
     <p:sldId id="263" r:id="rId12"/>
     <p:sldId id="267" r:id="rId13"/>
     <p:sldId id="268" r:id="rId14"/>
-    <p:sldId id="269" r:id="rId15"/>
-    <p:sldId id="257" r:id="rId16"/>
+    <p:sldId id="271" r:id="rId15"/>
+    <p:sldId id="272" r:id="rId16"/>
+    <p:sldId id="273" r:id="rId17"/>
   </p:sldIdLst>
   <p:sldSz cx="12192000" cy="6858000"/>
   <p:notesSz cx="6858000" cy="9144000"/>
@@ -124,6 +125,32 @@
     </p:ext>
   </p:extLst>
 </p:presentation>
+</file>
+
+<file path=ppt/commentAuthors.xml><?xml version="1.0" encoding="utf-8"?>
+<p:cmAuthorLst xmlns:a="http://schemas.openxmlformats.org/drawingml/2006/main" xmlns:r="http://schemas.openxmlformats.org/officeDocument/2006/relationships" xmlns:p="http://schemas.openxmlformats.org/presentationml/2006/main">
+  <p:cmAuthor id="1" name="Aninda" initials="A" lastIdx="1" clrIdx="0">
+    <p:extLst>
+      <p:ext uri="{19B8F6BF-5375-455C-9EA6-DF929625EA0E}">
+        <p15:presenceInfo xmlns:p15="http://schemas.microsoft.com/office/powerpoint/2012/main" userId="272a9bf76320d36c" providerId="Windows Live"/>
+      </p:ext>
+    </p:extLst>
+  </p:cmAuthor>
+</p:cmAuthorLst>
+</file>
+
+<file path=ppt/comments/comment1.xml><?xml version="1.0" encoding="utf-8"?>
+<p:cmLst xmlns:a="http://schemas.openxmlformats.org/drawingml/2006/main" xmlns:r="http://schemas.openxmlformats.org/officeDocument/2006/relationships" xmlns:p="http://schemas.openxmlformats.org/presentationml/2006/main">
+  <p:cm authorId="1" dt="2021-01-18T21:53:09.925" idx="1">
+    <p:pos x="10" y="10"/>
+    <p:text/>
+    <p:extLst>
+      <p:ext uri="{C676402C-5697-4E1C-873F-D02D1690AC5C}">
+        <p15:threadingInfo xmlns:p15="http://schemas.microsoft.com/office/powerpoint/2012/main" timeZoneBias="-60"/>
+      </p:ext>
+    </p:extLst>
+  </p:cm>
+</p:cmLst>
 </file>
 
 <file path=ppt/slideLayouts/slideLayout1.xml><?xml version="1.0" encoding="utf-8"?>
@@ -6385,6 +6412,41 @@
           </a:prstGeom>
         </p:spPr>
       </p:pic>
+      <p:sp>
+        <p:nvSpPr>
+          <p:cNvPr id="6" name="TextBox 5">
+            <a:extLst>
+              <a:ext uri="{FF2B5EF4-FFF2-40B4-BE49-F238E27FC236}">
+                <a16:creationId xmlns:a16="http://schemas.microsoft.com/office/drawing/2014/main" id="{6432E486-5C60-4776-86D6-1213A45D51E3}"/>
+              </a:ext>
+            </a:extLst>
+          </p:cNvPr>
+          <p:cNvSpPr txBox="1"/>
+          <p:nvPr/>
+        </p:nvSpPr>
+        <p:spPr>
+          <a:xfrm>
+            <a:off x="8753383" y="6454066"/>
+            <a:ext cx="1331134" cy="369332"/>
+          </a:xfrm>
+          <a:prstGeom prst="rect">
+            <a:avLst/>
+          </a:prstGeom>
+          <a:noFill/>
+        </p:spPr>
+        <p:txBody>
+          <a:bodyPr wrap="none" rtlCol="0">
+            <a:spAutoFit/>
+          </a:bodyPr>
+          <a:lstStyle/>
+          <a:p>
+            <a:r>
+              <a:rPr lang="en-US" dirty="0"/>
+              <a:t>VDMA,2018</a:t>
+            </a:r>
+          </a:p>
+        </p:txBody>
+      </p:sp>
     </p:spTree>
     <p:extLst>
       <p:ext uri="{BB962C8B-B14F-4D97-AF65-F5344CB8AC3E}">
@@ -6494,18 +6556,45 @@
         <p:spPr/>
         <p:txBody>
           <a:bodyPr>
-            <a:normAutofit/>
+            <a:noAutofit/>
           </a:bodyPr>
           <a:lstStyle/>
           <a:p>
             <a:r>
-              <a:rPr lang="en-US" sz="4800" b="1" i="1" u="sng" dirty="0">
+              <a:rPr lang="en-US" sz="2800" b="1" i="1" u="sng" dirty="0">
                 <a:effectLst/>
                 <a:latin typeface="Noto Serif"/>
               </a:rPr>
               <a:t>Objective</a:t>
             </a:r>
-            <a:endParaRPr lang="en-US" sz="4800" b="1" i="1" u="sng" dirty="0"/>
+            <a:br>
+              <a:rPr lang="en-US" sz="2800" b="1" i="1" u="sng" dirty="0">
+                <a:effectLst/>
+                <a:latin typeface="Noto Serif"/>
+              </a:rPr>
+            </a:br>
+            <a:r>
+              <a:rPr lang="en-US" sz="2800" b="1" dirty="0">
+                <a:solidFill>
+                  <a:srgbClr val="FF0000"/>
+                </a:solidFill>
+                <a:latin typeface="Consolas" panose="020B0609020204030204" pitchFamily="49" charset="0"/>
+              </a:rPr>
+              <a:t>Propose an efficiently query system that would query the huge graph data</a:t>
+            </a:r>
+            <a:br>
+              <a:rPr lang="en-US" sz="3200" dirty="0">
+                <a:solidFill>
+                  <a:srgbClr val="FF0000"/>
+                </a:solidFill>
+                <a:latin typeface="Consolas" panose="020B0609020204030204" pitchFamily="49" charset="0"/>
+              </a:rPr>
+            </a:br>
+            <a:endParaRPr lang="en-US" sz="3200" b="1" i="1" u="sng" dirty="0">
+              <a:solidFill>
+                <a:srgbClr val="FF0000"/>
+              </a:solidFill>
+            </a:endParaRPr>
           </a:p>
         </p:txBody>
       </p:sp>
@@ -6533,7 +6622,7 @@
             <a:r>
               <a:rPr lang="en-US" dirty="0">
                 <a:solidFill>
-                  <a:srgbClr val="FF0000"/>
+                  <a:schemeClr val="accent1"/>
                 </a:solidFill>
                 <a:latin typeface="Consolas" panose="020B0609020204030204" pitchFamily="49" charset="0"/>
               </a:rPr>
@@ -6542,7 +6631,7 @@
             <a:r>
               <a:rPr lang="en-US" b="0" dirty="0">
                 <a:solidFill>
-                  <a:srgbClr val="FF0000"/>
+                  <a:schemeClr val="accent1"/>
                 </a:solidFill>
                 <a:effectLst/>
                 <a:latin typeface="Consolas" panose="020B0609020204030204" pitchFamily="49" charset="0"/>
@@ -6552,7 +6641,7 @@
             <a:r>
               <a:rPr lang="en-US" b="0" dirty="0" err="1">
                 <a:solidFill>
-                  <a:srgbClr val="FF0000"/>
+                  <a:schemeClr val="accent1"/>
                 </a:solidFill>
                 <a:effectLst/>
                 <a:latin typeface="Consolas" panose="020B0609020204030204" pitchFamily="49" charset="0"/>
@@ -6561,7 +6650,7 @@
             </a:r>
             <a:endParaRPr lang="en-US" b="0" dirty="0">
               <a:solidFill>
-                <a:srgbClr val="FF0000"/>
+                <a:schemeClr val="accent1"/>
               </a:solidFill>
               <a:effectLst/>
               <a:latin typeface="Consolas" panose="020B0609020204030204" pitchFamily="49" charset="0"/>
@@ -6571,7 +6660,7 @@
             <a:r>
               <a:rPr lang="en-US" dirty="0">
                 <a:solidFill>
-                  <a:srgbClr val="FF0000"/>
+                  <a:schemeClr val="accent1"/>
                 </a:solidFill>
                 <a:latin typeface="Consolas" panose="020B0609020204030204" pitchFamily="49" charset="0"/>
               </a:rPr>
@@ -6580,7 +6669,7 @@
             <a:r>
               <a:rPr lang="en-US" b="0" dirty="0">
                 <a:solidFill>
-                  <a:srgbClr val="FF0000"/>
+                  <a:schemeClr val="accent1"/>
                 </a:solidFill>
                 <a:effectLst/>
                 <a:latin typeface="Consolas" panose="020B0609020204030204" pitchFamily="49" charset="0"/>
@@ -6590,7 +6679,7 @@
             <a:r>
               <a:rPr lang="en-US" b="0" dirty="0" err="1">
                 <a:solidFill>
-                  <a:srgbClr val="FF0000"/>
+                  <a:schemeClr val="accent1"/>
                 </a:solidFill>
                 <a:effectLst/>
                 <a:latin typeface="Consolas" panose="020B0609020204030204" pitchFamily="49" charset="0"/>
@@ -6599,7 +6688,7 @@
             </a:r>
             <a:endParaRPr lang="en-US" b="0" dirty="0">
               <a:solidFill>
-                <a:srgbClr val="FF0000"/>
+                <a:schemeClr val="accent1"/>
               </a:solidFill>
               <a:effectLst/>
               <a:latin typeface="Consolas" panose="020B0609020204030204" pitchFamily="49" charset="0"/>
@@ -6609,7 +6698,7 @@
             <a:r>
               <a:rPr lang="en-US" b="0" dirty="0">
                 <a:solidFill>
-                  <a:srgbClr val="FF0000"/>
+                  <a:schemeClr val="accent1"/>
                 </a:solidFill>
                 <a:effectLst/>
                 <a:latin typeface="Consolas" panose="020B0609020204030204" pitchFamily="49" charset="0"/>
@@ -6619,7 +6708,7 @@
             <a:r>
               <a:rPr lang="en-US" b="0" dirty="0" err="1">
                 <a:solidFill>
-                  <a:srgbClr val="FF0000"/>
+                  <a:schemeClr val="accent1"/>
                 </a:solidFill>
                 <a:effectLst/>
                 <a:latin typeface="Consolas" panose="020B0609020204030204" pitchFamily="49" charset="0"/>
@@ -6628,7 +6717,7 @@
             </a:r>
             <a:endParaRPr lang="en-US" b="0" dirty="0">
               <a:solidFill>
-                <a:srgbClr val="FF0000"/>
+                <a:schemeClr val="accent1"/>
               </a:solidFill>
               <a:effectLst/>
               <a:latin typeface="Consolas" panose="020B0609020204030204" pitchFamily="49" charset="0"/>
@@ -6638,7 +6727,7 @@
             <a:pPr marL="0" indent="0">
               <a:buNone/>
             </a:pPr>
-            <a:endParaRPr lang="en-US" b="0" dirty="0">
+            <a:endParaRPr lang="en-US" dirty="0">
               <a:solidFill>
                 <a:srgbClr val="FF0000"/>
               </a:solidFill>
@@ -6683,7 +6772,7 @@
           <p:cNvPr id="2" name="Title 1">
             <a:extLst>
               <a:ext uri="{FF2B5EF4-FFF2-40B4-BE49-F238E27FC236}">
-                <a16:creationId xmlns:a16="http://schemas.microsoft.com/office/drawing/2014/main" id="{4AA6F518-D7BB-4952-B48B-94699D6B7816}"/>
+                <a16:creationId xmlns:a16="http://schemas.microsoft.com/office/drawing/2014/main" id="{229A0874-4105-49DC-AB38-1AAB143767F2}"/>
               </a:ext>
             </a:extLst>
           </p:cNvPr>
@@ -6696,8 +6785,8 @@
         </p:nvSpPr>
         <p:spPr>
           <a:xfrm>
-            <a:off x="1484311" y="685801"/>
-            <a:ext cx="10018713" cy="539318"/>
+            <a:off x="1411551" y="1"/>
+            <a:ext cx="10091474" cy="488272"/>
           </a:xfrm>
         </p:spPr>
         <p:txBody>
@@ -6707,31 +6796,104 @@
           <a:lstStyle/>
           <a:p>
             <a:r>
-              <a:rPr lang="en-US" b="1" i="1" u="sng" dirty="0">
-                <a:effectLst/>
-                <a:latin typeface="Noto Serif"/>
-              </a:rPr>
-              <a:t>Research questions</a:t>
-            </a:r>
-            <a:endParaRPr lang="en-US" b="1" i="1" u="sng" dirty="0"/>
+              <a:rPr lang="en-US" dirty="0"/>
+              <a:t>Research Questions</a:t>
+            </a:r>
+          </a:p>
+        </p:txBody>
+      </p:sp>
+      <p:sp>
+        <p:nvSpPr>
+          <p:cNvPr id="3" name="Content Placeholder 2">
+            <a:extLst>
+              <a:ext uri="{FF2B5EF4-FFF2-40B4-BE49-F238E27FC236}">
+                <a16:creationId xmlns:a16="http://schemas.microsoft.com/office/drawing/2014/main" id="{B7A8E832-7F43-4C5B-AFAF-3436EC704FB3}"/>
+              </a:ext>
+            </a:extLst>
+          </p:cNvPr>
+          <p:cNvSpPr>
+            <a:spLocks noGrp="1"/>
+          </p:cNvSpPr>
+          <p:nvPr>
+            <p:ph idx="1"/>
+          </p:nvPr>
+        </p:nvSpPr>
+        <p:spPr>
+          <a:xfrm>
+            <a:off x="1484310" y="488272"/>
+            <a:ext cx="10018715" cy="5486399"/>
+          </a:xfrm>
+        </p:spPr>
+        <p:txBody>
+          <a:bodyPr/>
+          <a:lstStyle/>
+          <a:p>
+            <a:r>
+              <a:rPr lang="en-US" dirty="0"/>
+              <a:t>OPC UA produces huge connected graphs</a:t>
+            </a:r>
+          </a:p>
+          <a:p>
+            <a:pPr lvl="1"/>
+            <a:r>
+              <a:rPr lang="en-US" dirty="0"/>
+              <a:t>Is OPC UA query system, capable to query such huge connected graphs?</a:t>
+            </a:r>
+          </a:p>
+          <a:p>
+            <a:pPr lvl="1"/>
+            <a:r>
+              <a:rPr lang="en-US" dirty="0"/>
+              <a:t>How can OWL be integrated into the automation standard of OPC UA?</a:t>
+            </a:r>
+          </a:p>
+          <a:p>
+            <a:pPr lvl="1"/>
+            <a:endParaRPr lang="en-US" dirty="0"/>
+          </a:p>
+          <a:p>
+            <a:pPr lvl="1"/>
+            <a:endParaRPr lang="en-US" dirty="0"/>
+          </a:p>
+          <a:p>
+            <a:pPr lvl="1"/>
+            <a:endParaRPr lang="en-US" dirty="0"/>
+          </a:p>
+          <a:p>
+            <a:pPr lvl="1"/>
+            <a:endParaRPr lang="en-US" dirty="0"/>
+          </a:p>
+          <a:p>
+            <a:pPr lvl="1"/>
+            <a:endParaRPr lang="en-US" dirty="0"/>
+          </a:p>
+          <a:p>
+            <a:pPr lvl="1"/>
+            <a:endParaRPr lang="en-US" dirty="0"/>
+          </a:p>
+          <a:p>
+            <a:pPr lvl="1"/>
+            <a:endParaRPr lang="en-US" dirty="0"/>
+          </a:p>
+          <a:p>
+            <a:pPr lvl="1"/>
+            <a:endParaRPr lang="en-US" dirty="0"/>
           </a:p>
         </p:txBody>
       </p:sp>
       <p:pic>
         <p:nvPicPr>
-          <p:cNvPr id="5" name="Content Placeholder 4">
+          <p:cNvPr id="4" name="Content Placeholder 4">
             <a:extLst>
               <a:ext uri="{FF2B5EF4-FFF2-40B4-BE49-F238E27FC236}">
-                <a16:creationId xmlns:a16="http://schemas.microsoft.com/office/drawing/2014/main" id="{5601399E-E3C7-4623-86E2-7EE14C08ECFA}"/>
+                <a16:creationId xmlns:a16="http://schemas.microsoft.com/office/drawing/2014/main" id="{77519C6E-21A7-4BF9-9B80-FDC1CCA9E757}"/>
               </a:ext>
             </a:extLst>
           </p:cNvPr>
           <p:cNvPicPr>
-            <a:picLocks noGrp="1" noChangeAspect="1"/>
+            <a:picLocks noChangeAspect="1"/>
           </p:cNvPicPr>
-          <p:nvPr>
-            <p:ph idx="1"/>
-          </p:nvPr>
+          <p:nvPr/>
         </p:nvPicPr>
         <p:blipFill>
           <a:blip r:embed="rId2"/>
@@ -6741,17 +6903,20 @@
         </p:blipFill>
         <p:spPr>
           <a:xfrm>
-            <a:off x="1768991" y="1445057"/>
-            <a:ext cx="2820764" cy="3048000"/>
+            <a:off x="1635826" y="2078855"/>
+            <a:ext cx="2820764" cy="1805125"/>
           </a:xfrm>
+          <a:prstGeom prst="rect">
+            <a:avLst/>
+          </a:prstGeom>
         </p:spPr>
       </p:pic>
       <p:pic>
         <p:nvPicPr>
-          <p:cNvPr id="7" name="Picture 6">
+          <p:cNvPr id="5" name="Picture 4">
             <a:extLst>
               <a:ext uri="{FF2B5EF4-FFF2-40B4-BE49-F238E27FC236}">
-                <a16:creationId xmlns:a16="http://schemas.microsoft.com/office/drawing/2014/main" id="{44BA2E59-6D39-4304-B225-FB5ADB5C5B32}"/>
+                <a16:creationId xmlns:a16="http://schemas.microsoft.com/office/drawing/2014/main" id="{A45BAF67-81DC-4F3D-A8C1-61F86504707C}"/>
               </a:ext>
             </a:extLst>
           </p:cNvPr>
@@ -6768,8 +6933,8 @@
         </p:blipFill>
         <p:spPr>
           <a:xfrm>
-            <a:off x="4898024" y="1445057"/>
-            <a:ext cx="3509130" cy="3048000"/>
+            <a:off x="4529349" y="2078855"/>
+            <a:ext cx="3509130" cy="1805125"/>
           </a:xfrm>
           <a:prstGeom prst="rect">
             <a:avLst/>
@@ -6778,10 +6943,10 @@
       </p:pic>
       <p:pic>
         <p:nvPicPr>
-          <p:cNvPr id="9" name="Picture 8">
+          <p:cNvPr id="6" name="Picture 5">
             <a:extLst>
               <a:ext uri="{FF2B5EF4-FFF2-40B4-BE49-F238E27FC236}">
-                <a16:creationId xmlns:a16="http://schemas.microsoft.com/office/drawing/2014/main" id="{2AB01110-8F7D-46EC-A687-3902944FF8BF}"/>
+                <a16:creationId xmlns:a16="http://schemas.microsoft.com/office/drawing/2014/main" id="{5C7C20A6-AC3E-48A5-9319-63326907634B}"/>
               </a:ext>
             </a:extLst>
           </p:cNvPr>
@@ -6798,8 +6963,8 @@
         </p:blipFill>
         <p:spPr>
           <a:xfrm>
-            <a:off x="8622344" y="1445057"/>
-            <a:ext cx="2724150" cy="3048000"/>
+            <a:off x="8120893" y="2078855"/>
+            <a:ext cx="2724150" cy="1805125"/>
           </a:xfrm>
           <a:prstGeom prst="rect">
             <a:avLst/>
@@ -6808,10 +6973,10 @@
       </p:pic>
       <p:pic>
         <p:nvPicPr>
-          <p:cNvPr id="11" name="Picture 10">
+          <p:cNvPr id="7" name="Picture 6">
             <a:extLst>
               <a:ext uri="{FF2B5EF4-FFF2-40B4-BE49-F238E27FC236}">
-                <a16:creationId xmlns:a16="http://schemas.microsoft.com/office/drawing/2014/main" id="{ED004771-DFF2-4548-BB5B-3048150135FE}"/>
+                <a16:creationId xmlns:a16="http://schemas.microsoft.com/office/drawing/2014/main" id="{22034EAD-0027-4C4F-8871-37658717BBD6}"/>
               </a:ext>
             </a:extLst>
           </p:cNvPr>
@@ -6828,8 +6993,8 @@
         </p:blipFill>
         <p:spPr>
           <a:xfrm>
-            <a:off x="4809473" y="4610439"/>
-            <a:ext cx="3368388" cy="2176540"/>
+            <a:off x="4670091" y="4024512"/>
+            <a:ext cx="3368388" cy="1805125"/>
           </a:xfrm>
           <a:prstGeom prst="rect">
             <a:avLst/>
@@ -6839,7 +7004,7 @@
     </p:spTree>
     <p:extLst>
       <p:ext uri="{BB962C8B-B14F-4D97-AF65-F5344CB8AC3E}">
-        <p14:creationId xmlns:p14="http://schemas.microsoft.com/office/powerpoint/2010/main" val="2268941126"/>
+        <p14:creationId xmlns:p14="http://schemas.microsoft.com/office/powerpoint/2010/main" val="2541292193"/>
       </p:ext>
     </p:extLst>
   </p:cSld>
@@ -6867,7 +7032,7 @@
                             </p:stCondLst>
                             <p:childTnLst>
                               <p:par>
-                                <p:cTn id="5" presetID="1" presetClass="entr" presetSubtype="0" fill="hold" nodeType="clickEffect">
+                                <p:cTn id="5" presetID="42" presetClass="entr" presetSubtype="0" fill="hold" grpId="0" nodeType="clickEffect">
                                   <p:stCondLst>
                                     <p:cond delay="0"/>
                                   </p:stCondLst>
@@ -6875,6 +7040,449 @@
                                     <p:set>
                                       <p:cBhvr>
                                         <p:cTn id="6" dur="1" fill="hold">
+                                          <p:stCondLst>
+                                            <p:cond delay="0"/>
+                                          </p:stCondLst>
+                                        </p:cTn>
+                                        <p:tgtEl>
+                                          <p:spTgt spid="2"/>
+                                        </p:tgtEl>
+                                        <p:attrNameLst>
+                                          <p:attrName>style.visibility</p:attrName>
+                                        </p:attrNameLst>
+                                      </p:cBhvr>
+                                      <p:to>
+                                        <p:strVal val="visible"/>
+                                      </p:to>
+                                    </p:set>
+                                    <p:animEffect transition="in" filter="fade">
+                                      <p:cBhvr>
+                                        <p:cTn id="7" dur="1000"/>
+                                        <p:tgtEl>
+                                          <p:spTgt spid="2"/>
+                                        </p:tgtEl>
+                                      </p:cBhvr>
+                                    </p:animEffect>
+                                    <p:anim calcmode="lin" valueType="num">
+                                      <p:cBhvr>
+                                        <p:cTn id="8" dur="1000" fill="hold"/>
+                                        <p:tgtEl>
+                                          <p:spTgt spid="2"/>
+                                        </p:tgtEl>
+                                        <p:attrNameLst>
+                                          <p:attrName>ppt_x</p:attrName>
+                                        </p:attrNameLst>
+                                      </p:cBhvr>
+                                      <p:tavLst>
+                                        <p:tav tm="0">
+                                          <p:val>
+                                            <p:strVal val="#ppt_x"/>
+                                          </p:val>
+                                        </p:tav>
+                                        <p:tav tm="100000">
+                                          <p:val>
+                                            <p:strVal val="#ppt_x"/>
+                                          </p:val>
+                                        </p:tav>
+                                      </p:tavLst>
+                                    </p:anim>
+                                    <p:anim calcmode="lin" valueType="num">
+                                      <p:cBhvr>
+                                        <p:cTn id="9" dur="1000" fill="hold"/>
+                                        <p:tgtEl>
+                                          <p:spTgt spid="2"/>
+                                        </p:tgtEl>
+                                        <p:attrNameLst>
+                                          <p:attrName>ppt_y</p:attrName>
+                                        </p:attrNameLst>
+                                      </p:cBhvr>
+                                      <p:tavLst>
+                                        <p:tav tm="0">
+                                          <p:val>
+                                            <p:strVal val="#ppt_y+.1"/>
+                                          </p:val>
+                                        </p:tav>
+                                        <p:tav tm="100000">
+                                          <p:val>
+                                            <p:strVal val="#ppt_y"/>
+                                          </p:val>
+                                        </p:tav>
+                                      </p:tavLst>
+                                    </p:anim>
+                                  </p:childTnLst>
+                                </p:cTn>
+                              </p:par>
+                            </p:childTnLst>
+                          </p:cTn>
+                        </p:par>
+                      </p:childTnLst>
+                    </p:cTn>
+                  </p:par>
+                  <p:par>
+                    <p:cTn id="10" fill="hold">
+                      <p:stCondLst>
+                        <p:cond delay="indefinite"/>
+                      </p:stCondLst>
+                      <p:childTnLst>
+                        <p:par>
+                          <p:cTn id="11" fill="hold">
+                            <p:stCondLst>
+                              <p:cond delay="0"/>
+                            </p:stCondLst>
+                            <p:childTnLst>
+                              <p:par>
+                                <p:cTn id="12" presetID="42" presetClass="entr" presetSubtype="0" fill="hold" nodeType="clickEffect">
+                                  <p:stCondLst>
+                                    <p:cond delay="0"/>
+                                  </p:stCondLst>
+                                  <p:childTnLst>
+                                    <p:set>
+                                      <p:cBhvr>
+                                        <p:cTn id="13" dur="1" fill="hold">
+                                          <p:stCondLst>
+                                            <p:cond delay="0"/>
+                                          </p:stCondLst>
+                                        </p:cTn>
+                                        <p:tgtEl>
+                                          <p:spTgt spid="3">
+                                            <p:txEl>
+                                              <p:pRg st="0" end="0"/>
+                                            </p:txEl>
+                                          </p:spTgt>
+                                        </p:tgtEl>
+                                        <p:attrNameLst>
+                                          <p:attrName>style.visibility</p:attrName>
+                                        </p:attrNameLst>
+                                      </p:cBhvr>
+                                      <p:to>
+                                        <p:strVal val="visible"/>
+                                      </p:to>
+                                    </p:set>
+                                    <p:animEffect transition="in" filter="fade">
+                                      <p:cBhvr>
+                                        <p:cTn id="14" dur="1000"/>
+                                        <p:tgtEl>
+                                          <p:spTgt spid="3">
+                                            <p:txEl>
+                                              <p:pRg st="0" end="0"/>
+                                            </p:txEl>
+                                          </p:spTgt>
+                                        </p:tgtEl>
+                                      </p:cBhvr>
+                                    </p:animEffect>
+                                    <p:anim calcmode="lin" valueType="num">
+                                      <p:cBhvr>
+                                        <p:cTn id="15" dur="1000" fill="hold"/>
+                                        <p:tgtEl>
+                                          <p:spTgt spid="3">
+                                            <p:txEl>
+                                              <p:pRg st="0" end="0"/>
+                                            </p:txEl>
+                                          </p:spTgt>
+                                        </p:tgtEl>
+                                        <p:attrNameLst>
+                                          <p:attrName>ppt_x</p:attrName>
+                                        </p:attrNameLst>
+                                      </p:cBhvr>
+                                      <p:tavLst>
+                                        <p:tav tm="0">
+                                          <p:val>
+                                            <p:strVal val="#ppt_x"/>
+                                          </p:val>
+                                        </p:tav>
+                                        <p:tav tm="100000">
+                                          <p:val>
+                                            <p:strVal val="#ppt_x"/>
+                                          </p:val>
+                                        </p:tav>
+                                      </p:tavLst>
+                                    </p:anim>
+                                    <p:anim calcmode="lin" valueType="num">
+                                      <p:cBhvr>
+                                        <p:cTn id="16" dur="1000" fill="hold"/>
+                                        <p:tgtEl>
+                                          <p:spTgt spid="3">
+                                            <p:txEl>
+                                              <p:pRg st="0" end="0"/>
+                                            </p:txEl>
+                                          </p:spTgt>
+                                        </p:tgtEl>
+                                        <p:attrNameLst>
+                                          <p:attrName>ppt_y</p:attrName>
+                                        </p:attrNameLst>
+                                      </p:cBhvr>
+                                      <p:tavLst>
+                                        <p:tav tm="0">
+                                          <p:val>
+                                            <p:strVal val="#ppt_y+.1"/>
+                                          </p:val>
+                                        </p:tav>
+                                        <p:tav tm="100000">
+                                          <p:val>
+                                            <p:strVal val="#ppt_y"/>
+                                          </p:val>
+                                        </p:tav>
+                                      </p:tavLst>
+                                    </p:anim>
+                                  </p:childTnLst>
+                                </p:cTn>
+                              </p:par>
+                            </p:childTnLst>
+                          </p:cTn>
+                        </p:par>
+                      </p:childTnLst>
+                    </p:cTn>
+                  </p:par>
+                  <p:par>
+                    <p:cTn id="17" fill="hold">
+                      <p:stCondLst>
+                        <p:cond delay="indefinite"/>
+                      </p:stCondLst>
+                      <p:childTnLst>
+                        <p:par>
+                          <p:cTn id="18" fill="hold">
+                            <p:stCondLst>
+                              <p:cond delay="0"/>
+                            </p:stCondLst>
+                            <p:childTnLst>
+                              <p:par>
+                                <p:cTn id="19" presetID="10" presetClass="entr" presetSubtype="0" fill="hold" nodeType="clickEffect">
+                                  <p:stCondLst>
+                                    <p:cond delay="0"/>
+                                  </p:stCondLst>
+                                  <p:childTnLst>
+                                    <p:set>
+                                      <p:cBhvr>
+                                        <p:cTn id="20" dur="1" fill="hold">
+                                          <p:stCondLst>
+                                            <p:cond delay="0"/>
+                                          </p:stCondLst>
+                                        </p:cTn>
+                                        <p:tgtEl>
+                                          <p:spTgt spid="3">
+                                            <p:txEl>
+                                              <p:pRg st="1" end="1"/>
+                                            </p:txEl>
+                                          </p:spTgt>
+                                        </p:tgtEl>
+                                        <p:attrNameLst>
+                                          <p:attrName>style.visibility</p:attrName>
+                                        </p:attrNameLst>
+                                      </p:cBhvr>
+                                      <p:to>
+                                        <p:strVal val="visible"/>
+                                      </p:to>
+                                    </p:set>
+                                    <p:animEffect transition="in" filter="fade">
+                                      <p:cBhvr>
+                                        <p:cTn id="21" dur="500"/>
+                                        <p:tgtEl>
+                                          <p:spTgt spid="3">
+                                            <p:txEl>
+                                              <p:pRg st="1" end="1"/>
+                                            </p:txEl>
+                                          </p:spTgt>
+                                        </p:tgtEl>
+                                      </p:cBhvr>
+                                    </p:animEffect>
+                                  </p:childTnLst>
+                                </p:cTn>
+                              </p:par>
+                            </p:childTnLst>
+                          </p:cTn>
+                        </p:par>
+                      </p:childTnLst>
+                    </p:cTn>
+                  </p:par>
+                  <p:par>
+                    <p:cTn id="22" fill="hold">
+                      <p:stCondLst>
+                        <p:cond delay="indefinite"/>
+                      </p:stCondLst>
+                      <p:childTnLst>
+                        <p:par>
+                          <p:cTn id="23" fill="hold">
+                            <p:stCondLst>
+                              <p:cond delay="0"/>
+                            </p:stCondLst>
+                            <p:childTnLst>
+                              <p:par>
+                                <p:cTn id="24" presetID="42" presetClass="entr" presetSubtype="0" fill="hold" nodeType="clickEffect">
+                                  <p:stCondLst>
+                                    <p:cond delay="0"/>
+                                  </p:stCondLst>
+                                  <p:childTnLst>
+                                    <p:set>
+                                      <p:cBhvr>
+                                        <p:cTn id="25" dur="1" fill="hold">
+                                          <p:stCondLst>
+                                            <p:cond delay="0"/>
+                                          </p:stCondLst>
+                                        </p:cTn>
+                                        <p:tgtEl>
+                                          <p:spTgt spid="3">
+                                            <p:txEl>
+                                              <p:pRg st="2" end="2"/>
+                                            </p:txEl>
+                                          </p:spTgt>
+                                        </p:tgtEl>
+                                        <p:attrNameLst>
+                                          <p:attrName>style.visibility</p:attrName>
+                                        </p:attrNameLst>
+                                      </p:cBhvr>
+                                      <p:to>
+                                        <p:strVal val="visible"/>
+                                      </p:to>
+                                    </p:set>
+                                    <p:animEffect transition="in" filter="fade">
+                                      <p:cBhvr>
+                                        <p:cTn id="26" dur="1000"/>
+                                        <p:tgtEl>
+                                          <p:spTgt spid="3">
+                                            <p:txEl>
+                                              <p:pRg st="2" end="2"/>
+                                            </p:txEl>
+                                          </p:spTgt>
+                                        </p:tgtEl>
+                                      </p:cBhvr>
+                                    </p:animEffect>
+                                    <p:anim calcmode="lin" valueType="num">
+                                      <p:cBhvr>
+                                        <p:cTn id="27" dur="1000" fill="hold"/>
+                                        <p:tgtEl>
+                                          <p:spTgt spid="3">
+                                            <p:txEl>
+                                              <p:pRg st="2" end="2"/>
+                                            </p:txEl>
+                                          </p:spTgt>
+                                        </p:tgtEl>
+                                        <p:attrNameLst>
+                                          <p:attrName>ppt_x</p:attrName>
+                                        </p:attrNameLst>
+                                      </p:cBhvr>
+                                      <p:tavLst>
+                                        <p:tav tm="0">
+                                          <p:val>
+                                            <p:strVal val="#ppt_x"/>
+                                          </p:val>
+                                        </p:tav>
+                                        <p:tav tm="100000">
+                                          <p:val>
+                                            <p:strVal val="#ppt_x"/>
+                                          </p:val>
+                                        </p:tav>
+                                      </p:tavLst>
+                                    </p:anim>
+                                    <p:anim calcmode="lin" valueType="num">
+                                      <p:cBhvr>
+                                        <p:cTn id="28" dur="1000" fill="hold"/>
+                                        <p:tgtEl>
+                                          <p:spTgt spid="3">
+                                            <p:txEl>
+                                              <p:pRg st="2" end="2"/>
+                                            </p:txEl>
+                                          </p:spTgt>
+                                        </p:tgtEl>
+                                        <p:attrNameLst>
+                                          <p:attrName>ppt_y</p:attrName>
+                                        </p:attrNameLst>
+                                      </p:cBhvr>
+                                      <p:tavLst>
+                                        <p:tav tm="0">
+                                          <p:val>
+                                            <p:strVal val="#ppt_y+.1"/>
+                                          </p:val>
+                                        </p:tav>
+                                        <p:tav tm="100000">
+                                          <p:val>
+                                            <p:strVal val="#ppt_y"/>
+                                          </p:val>
+                                        </p:tav>
+                                      </p:tavLst>
+                                    </p:anim>
+                                  </p:childTnLst>
+                                </p:cTn>
+                              </p:par>
+                            </p:childTnLst>
+                          </p:cTn>
+                        </p:par>
+                      </p:childTnLst>
+                    </p:cTn>
+                  </p:par>
+                  <p:par>
+                    <p:cTn id="29" fill="hold">
+                      <p:stCondLst>
+                        <p:cond delay="indefinite"/>
+                      </p:stCondLst>
+                      <p:childTnLst>
+                        <p:par>
+                          <p:cTn id="30" fill="hold">
+                            <p:stCondLst>
+                              <p:cond delay="0"/>
+                            </p:stCondLst>
+                            <p:childTnLst>
+                              <p:par>
+                                <p:cTn id="31" presetID="21" presetClass="entr" presetSubtype="1" fill="hold" nodeType="clickEffect">
+                                  <p:stCondLst>
+                                    <p:cond delay="0"/>
+                                  </p:stCondLst>
+                                  <p:childTnLst>
+                                    <p:set>
+                                      <p:cBhvr>
+                                        <p:cTn id="32" dur="1" fill="hold">
+                                          <p:stCondLst>
+                                            <p:cond delay="0"/>
+                                          </p:stCondLst>
+                                        </p:cTn>
+                                        <p:tgtEl>
+                                          <p:spTgt spid="4"/>
+                                        </p:tgtEl>
+                                        <p:attrNameLst>
+                                          <p:attrName>style.visibility</p:attrName>
+                                        </p:attrNameLst>
+                                      </p:cBhvr>
+                                      <p:to>
+                                        <p:strVal val="visible"/>
+                                      </p:to>
+                                    </p:set>
+                                    <p:animEffect transition="in" filter="wheel(1)">
+                                      <p:cBhvr>
+                                        <p:cTn id="33" dur="2000"/>
+                                        <p:tgtEl>
+                                          <p:spTgt spid="4"/>
+                                        </p:tgtEl>
+                                      </p:cBhvr>
+                                    </p:animEffect>
+                                  </p:childTnLst>
+                                </p:cTn>
+                              </p:par>
+                            </p:childTnLst>
+                          </p:cTn>
+                        </p:par>
+                      </p:childTnLst>
+                    </p:cTn>
+                  </p:par>
+                  <p:par>
+                    <p:cTn id="34" fill="hold">
+                      <p:stCondLst>
+                        <p:cond delay="indefinite"/>
+                      </p:stCondLst>
+                      <p:childTnLst>
+                        <p:par>
+                          <p:cTn id="35" fill="hold">
+                            <p:stCondLst>
+                              <p:cond delay="0"/>
+                            </p:stCondLst>
+                            <p:childTnLst>
+                              <p:par>
+                                <p:cTn id="36" presetID="21" presetClass="entr" presetSubtype="1" fill="hold" nodeType="clickEffect">
+                                  <p:stCondLst>
+                                    <p:cond delay="0"/>
+                                  </p:stCondLst>
+                                  <p:childTnLst>
+                                    <p:set>
+                                      <p:cBhvr>
+                                        <p:cTn id="37" dur="1" fill="hold">
                                           <p:stCondLst>
                                             <p:cond delay="0"/>
                                           </p:stCondLst>
@@ -6890,6 +7498,14 @@
                                         <p:strVal val="visible"/>
                                       </p:to>
                                     </p:set>
+                                    <p:animEffect transition="in" filter="wheel(1)">
+                                      <p:cBhvr>
+                                        <p:cTn id="38" dur="2000"/>
+                                        <p:tgtEl>
+                                          <p:spTgt spid="5"/>
+                                        </p:tgtEl>
+                                      </p:cBhvr>
+                                    </p:animEffect>
                                   </p:childTnLst>
                                 </p:cTn>
                               </p:par>
@@ -6900,26 +7516,79 @@
                     </p:cTn>
                   </p:par>
                   <p:par>
-                    <p:cTn id="7" fill="hold">
+                    <p:cTn id="39" fill="hold">
                       <p:stCondLst>
                         <p:cond delay="indefinite"/>
                       </p:stCondLst>
                       <p:childTnLst>
                         <p:par>
-                          <p:cTn id="8" fill="hold">
+                          <p:cTn id="40" fill="hold">
                             <p:stCondLst>
                               <p:cond delay="0"/>
                             </p:stCondLst>
                             <p:childTnLst>
                               <p:par>
-                                <p:cTn id="9" presetID="10" presetClass="entr" presetSubtype="0" fill="hold" nodeType="clickEffect">
+                                <p:cTn id="41" presetID="16" presetClass="entr" presetSubtype="21" fill="hold" nodeType="clickEffect">
                                   <p:stCondLst>
                                     <p:cond delay="0"/>
                                   </p:stCondLst>
                                   <p:childTnLst>
                                     <p:set>
                                       <p:cBhvr>
-                                        <p:cTn id="10" dur="1" fill="hold">
+                                        <p:cTn id="42" dur="1" fill="hold">
+                                          <p:stCondLst>
+                                            <p:cond delay="0"/>
+                                          </p:stCondLst>
+                                        </p:cTn>
+                                        <p:tgtEl>
+                                          <p:spTgt spid="6"/>
+                                        </p:tgtEl>
+                                        <p:attrNameLst>
+                                          <p:attrName>style.visibility</p:attrName>
+                                        </p:attrNameLst>
+                                      </p:cBhvr>
+                                      <p:to>
+                                        <p:strVal val="visible"/>
+                                      </p:to>
+                                    </p:set>
+                                    <p:animEffect transition="in" filter="barn(inVertical)">
+                                      <p:cBhvr>
+                                        <p:cTn id="43" dur="500"/>
+                                        <p:tgtEl>
+                                          <p:spTgt spid="6"/>
+                                        </p:tgtEl>
+                                      </p:cBhvr>
+                                    </p:animEffect>
+                                  </p:childTnLst>
+                                </p:cTn>
+                              </p:par>
+                            </p:childTnLst>
+                          </p:cTn>
+                        </p:par>
+                      </p:childTnLst>
+                    </p:cTn>
+                  </p:par>
+                  <p:par>
+                    <p:cTn id="44" fill="hold">
+                      <p:stCondLst>
+                        <p:cond delay="indefinite"/>
+                      </p:stCondLst>
+                      <p:childTnLst>
+                        <p:par>
+                          <p:cTn id="45" fill="hold">
+                            <p:stCondLst>
+                              <p:cond delay="0"/>
+                            </p:stCondLst>
+                            <p:childTnLst>
+                              <p:par>
+                                <p:cTn id="46" presetID="2" presetClass="entr" presetSubtype="4" fill="hold" nodeType="clickEffect">
+                                  <p:stCondLst>
+                                    <p:cond delay="0"/>
+                                  </p:stCondLst>
+                                  <p:childTnLst>
+                                    <p:set>
+                                      <p:cBhvr>
+                                        <p:cTn id="47" dur="1" fill="hold">
                                           <p:stCondLst>
                                             <p:cond delay="0"/>
                                           </p:stCondLst>
@@ -6935,64 +7604,11 @@
                                         <p:strVal val="visible"/>
                                       </p:to>
                                     </p:set>
-                                    <p:animEffect transition="in" filter="fade">
-                                      <p:cBhvr>
-                                        <p:cTn id="11" dur="500"/>
+                                    <p:anim calcmode="lin" valueType="num">
+                                      <p:cBhvr additive="base">
+                                        <p:cTn id="48" dur="500" fill="hold"/>
                                         <p:tgtEl>
                                           <p:spTgt spid="7"/>
-                                        </p:tgtEl>
-                                      </p:cBhvr>
-                                    </p:animEffect>
-                                  </p:childTnLst>
-                                </p:cTn>
-                              </p:par>
-                            </p:childTnLst>
-                          </p:cTn>
-                        </p:par>
-                      </p:childTnLst>
-                    </p:cTn>
-                  </p:par>
-                  <p:par>
-                    <p:cTn id="12" fill="hold">
-                      <p:stCondLst>
-                        <p:cond delay="indefinite"/>
-                      </p:stCondLst>
-                      <p:childTnLst>
-                        <p:par>
-                          <p:cTn id="13" fill="hold">
-                            <p:stCondLst>
-                              <p:cond delay="0"/>
-                            </p:stCondLst>
-                            <p:childTnLst>
-                              <p:par>
-                                <p:cTn id="14" presetID="2" presetClass="entr" presetSubtype="4" fill="hold" nodeType="clickEffect">
-                                  <p:stCondLst>
-                                    <p:cond delay="0"/>
-                                  </p:stCondLst>
-                                  <p:childTnLst>
-                                    <p:set>
-                                      <p:cBhvr>
-                                        <p:cTn id="15" dur="1" fill="hold">
-                                          <p:stCondLst>
-                                            <p:cond delay="0"/>
-                                          </p:stCondLst>
-                                        </p:cTn>
-                                        <p:tgtEl>
-                                          <p:spTgt spid="9"/>
-                                        </p:tgtEl>
-                                        <p:attrNameLst>
-                                          <p:attrName>style.visibility</p:attrName>
-                                        </p:attrNameLst>
-                                      </p:cBhvr>
-                                      <p:to>
-                                        <p:strVal val="visible"/>
-                                      </p:to>
-                                    </p:set>
-                                    <p:anim calcmode="lin" valueType="num">
-                                      <p:cBhvr additive="base">
-                                        <p:cTn id="16" dur="500" fill="hold"/>
-                                        <p:tgtEl>
-                                          <p:spTgt spid="9"/>
                                         </p:tgtEl>
                                         <p:attrNameLst>
                                           <p:attrName>ppt_x</p:attrName>
@@ -7013,9 +7629,9 @@
                                     </p:anim>
                                     <p:anim calcmode="lin" valueType="num">
                                       <p:cBhvr additive="base">
-                                        <p:cTn id="17" dur="500" fill="hold"/>
+                                        <p:cTn id="49" dur="500" fill="hold"/>
                                         <p:tgtEl>
-                                          <p:spTgt spid="9"/>
+                                          <p:spTgt spid="7"/>
                                         </p:tgtEl>
                                         <p:attrNameLst>
                                           <p:attrName>ppt_y</p:attrName>
@@ -7025,105 +7641,6 @@
                                         <p:tav tm="0">
                                           <p:val>
                                             <p:strVal val="1+#ppt_h/2"/>
-                                          </p:val>
-                                        </p:tav>
-                                        <p:tav tm="100000">
-                                          <p:val>
-                                            <p:strVal val="#ppt_y"/>
-                                          </p:val>
-                                        </p:tav>
-                                      </p:tavLst>
-                                    </p:anim>
-                                  </p:childTnLst>
-                                </p:cTn>
-                              </p:par>
-                            </p:childTnLst>
-                          </p:cTn>
-                        </p:par>
-                      </p:childTnLst>
-                    </p:cTn>
-                  </p:par>
-                  <p:par>
-                    <p:cTn id="18" fill="hold">
-                      <p:stCondLst>
-                        <p:cond delay="indefinite"/>
-                      </p:stCondLst>
-                      <p:childTnLst>
-                        <p:par>
-                          <p:cTn id="19" fill="hold">
-                            <p:stCondLst>
-                              <p:cond delay="0"/>
-                            </p:stCondLst>
-                            <p:childTnLst>
-                              <p:par>
-                                <p:cTn id="20" presetID="42" presetClass="entr" presetSubtype="0" fill="hold" nodeType="clickEffect">
-                                  <p:stCondLst>
-                                    <p:cond delay="0"/>
-                                  </p:stCondLst>
-                                  <p:childTnLst>
-                                    <p:set>
-                                      <p:cBhvr>
-                                        <p:cTn id="21" dur="1" fill="hold">
-                                          <p:stCondLst>
-                                            <p:cond delay="0"/>
-                                          </p:stCondLst>
-                                        </p:cTn>
-                                        <p:tgtEl>
-                                          <p:spTgt spid="11"/>
-                                        </p:tgtEl>
-                                        <p:attrNameLst>
-                                          <p:attrName>style.visibility</p:attrName>
-                                        </p:attrNameLst>
-                                      </p:cBhvr>
-                                      <p:to>
-                                        <p:strVal val="visible"/>
-                                      </p:to>
-                                    </p:set>
-                                    <p:animEffect transition="in" filter="fade">
-                                      <p:cBhvr>
-                                        <p:cTn id="22" dur="1000"/>
-                                        <p:tgtEl>
-                                          <p:spTgt spid="11"/>
-                                        </p:tgtEl>
-                                      </p:cBhvr>
-                                    </p:animEffect>
-                                    <p:anim calcmode="lin" valueType="num">
-                                      <p:cBhvr>
-                                        <p:cTn id="23" dur="1000" fill="hold"/>
-                                        <p:tgtEl>
-                                          <p:spTgt spid="11"/>
-                                        </p:tgtEl>
-                                        <p:attrNameLst>
-                                          <p:attrName>ppt_x</p:attrName>
-                                        </p:attrNameLst>
-                                      </p:cBhvr>
-                                      <p:tavLst>
-                                        <p:tav tm="0">
-                                          <p:val>
-                                            <p:strVal val="#ppt_x"/>
-                                          </p:val>
-                                        </p:tav>
-                                        <p:tav tm="100000">
-                                          <p:val>
-                                            <p:strVal val="#ppt_x"/>
-                                          </p:val>
-                                        </p:tav>
-                                      </p:tavLst>
-                                    </p:anim>
-                                    <p:anim calcmode="lin" valueType="num">
-                                      <p:cBhvr>
-                                        <p:cTn id="24" dur="1000" fill="hold"/>
-                                        <p:tgtEl>
-                                          <p:spTgt spid="11"/>
-                                        </p:tgtEl>
-                                        <p:attrNameLst>
-                                          <p:attrName>ppt_y</p:attrName>
-                                        </p:attrNameLst>
-                                      </p:cBhvr>
-                                      <p:tavLst>
-                                        <p:tav tm="0">
-                                          <p:val>
-                                            <p:strVal val="#ppt_y+.1"/>
                                           </p:val>
                                         </p:tav>
                                         <p:tav tm="100000">
@@ -7163,6 +7680,9 @@
         </p:cTn>
       </p:par>
     </p:tnLst>
+    <p:bldLst>
+      <p:bldP spid="2" grpId="0"/>
+    </p:bldLst>
   </p:timing>
 </p:sld>
 </file>
@@ -7170,27 +7690,6 @@
 <file path=ppt/slides/slide15.xml><?xml version="1.0" encoding="utf-8"?>
 <p:sld xmlns:a="http://schemas.openxmlformats.org/drawingml/2006/main" xmlns:r="http://schemas.openxmlformats.org/officeDocument/2006/relationships" xmlns:p="http://schemas.openxmlformats.org/presentationml/2006/main">
   <p:cSld>
-    <p:bg>
-      <p:bgPr>
-        <a:blipFill rotWithShape="1">
-          <a:blip r:embed="rId2">
-            <a:duotone>
-              <a:schemeClr val="bg2">
-                <a:shade val="76000"/>
-                <a:satMod val="180000"/>
-              </a:schemeClr>
-              <a:schemeClr val="bg2">
-                <a:tint val="80000"/>
-                <a:satMod val="120000"/>
-                <a:lumMod val="180000"/>
-              </a:schemeClr>
-            </a:duotone>
-          </a:blip>
-          <a:stretch/>
-        </a:blipFill>
-        <a:effectLst/>
-      </p:bgPr>
-    </p:bg>
     <p:spTree>
       <p:nvGrpSpPr>
         <p:cNvPr id="1" name=""/>
@@ -7210,7 +7709,7 @@
           <p:cNvPr id="2" name="Title 1">
             <a:extLst>
               <a:ext uri="{FF2B5EF4-FFF2-40B4-BE49-F238E27FC236}">
-                <a16:creationId xmlns:a16="http://schemas.microsoft.com/office/drawing/2014/main" id="{48A4164A-4A2D-4C29-8535-A193EEB1097E}"/>
+                <a16:creationId xmlns:a16="http://schemas.microsoft.com/office/drawing/2014/main" id="{6CA7BE7D-EF62-402F-95FC-ADB0C4E2DF8D}"/>
               </a:ext>
             </a:extLst>
           </p:cNvPr>
@@ -7221,450 +7720,753 @@
             <p:ph type="title"/>
           </p:nvPr>
         </p:nvSpPr>
-        <p:spPr>
-          <a:xfrm>
-            <a:off x="1316671" y="1"/>
-            <a:ext cx="4863149" cy="510540"/>
-          </a:xfrm>
-        </p:spPr>
-        <p:txBody>
-          <a:bodyPr>
-            <a:normAutofit fontScale="90000"/>
-          </a:bodyPr>
+        <p:spPr/>
+        <p:txBody>
+          <a:bodyPr/>
           <a:lstStyle/>
           <a:p>
-            <a:pPr>
-              <a:lnSpc>
-                <a:spcPct val="90000"/>
-              </a:lnSpc>
-            </a:pPr>
-            <a:r>
-              <a:rPr lang="en-US" sz="3700" dirty="0">
-                <a:latin typeface="Times New Roman" panose="02020603050405020304" pitchFamily="18" charset="0"/>
-                <a:cs typeface="Times New Roman" panose="02020603050405020304" pitchFamily="18" charset="0"/>
+            <a:r>
+              <a:rPr lang="en-US" b="0" i="0" dirty="0">
+                <a:effectLst/>
+                <a:latin typeface="Noto Serif"/>
               </a:rPr>
-              <a:t>State of the art</a:t>
-            </a:r>
-          </a:p>
-        </p:txBody>
-      </p:sp>
-      <p:sp>
-        <p:nvSpPr>
-          <p:cNvPr id="3" name="Content Placeholder 2">
+              <a:t>Your opinion on the proposal: what is reusable, why and how,</a:t>
+            </a:r>
+            <a:endParaRPr lang="en-US" dirty="0"/>
+          </a:p>
+        </p:txBody>
+      </p:sp>
+      <p:pic>
+        <p:nvPicPr>
+          <p:cNvPr id="4" name="Content Placeholder 3">
             <a:extLst>
               <a:ext uri="{FF2B5EF4-FFF2-40B4-BE49-F238E27FC236}">
-                <a16:creationId xmlns:a16="http://schemas.microsoft.com/office/drawing/2014/main" id="{46D2968E-404D-46B0-83D4-6A775AF7E766}"/>
-              </a:ext>
-            </a:extLst>
-          </p:cNvPr>
-          <p:cNvSpPr>
-            <a:spLocks noGrp="1"/>
-          </p:cNvSpPr>
-          <p:nvPr>
-            <p:ph idx="1"/>
-          </p:nvPr>
-        </p:nvSpPr>
-        <p:spPr>
-          <a:xfrm>
-            <a:off x="1484310" y="1051560"/>
-            <a:ext cx="7773989" cy="6027421"/>
-          </a:xfrm>
-        </p:spPr>
-        <p:txBody>
-          <a:bodyPr>
-            <a:normAutofit/>
-          </a:bodyPr>
-          <a:lstStyle/>
-          <a:p>
-            <a:pPr>
-              <a:buFont typeface="Wingdings" panose="05000000000000000000" pitchFamily="2" charset="2"/>
-              <a:buChar char="Ø"/>
-            </a:pPr>
-            <a:r>
-              <a:rPr lang="en-US" dirty="0">
-                <a:latin typeface="Times New Roman" panose="02020603050405020304" pitchFamily="18" charset="0"/>
-                <a:cs typeface="Times New Roman" panose="02020603050405020304" pitchFamily="18" charset="0"/>
-              </a:rPr>
-              <a:t>Integrating Industrial Middleware in Linked Data Collaboration Networks</a:t>
-            </a:r>
-            <a:br>
-              <a:rPr lang="en-UM" dirty="0">
-                <a:latin typeface="Times New Roman" panose="02020603050405020304" pitchFamily="18" charset="0"/>
-                <a:cs typeface="Times New Roman" panose="02020603050405020304" pitchFamily="18" charset="0"/>
-              </a:rPr>
-            </a:br>
-            <a:r>
-              <a:rPr lang="en-UM" dirty="0">
-                <a:latin typeface="Times New Roman" panose="02020603050405020304" pitchFamily="18" charset="0"/>
-                <a:cs typeface="Times New Roman" panose="02020603050405020304" pitchFamily="18" charset="0"/>
-              </a:rPr>
-              <a:t>(</a:t>
-            </a:r>
-            <a:r>
-              <a:rPr lang="en-US" dirty="0"/>
-              <a:t>Markus </a:t>
-            </a:r>
-            <a:r>
-              <a:rPr lang="en-US" dirty="0" err="1"/>
-              <a:t>Graube</a:t>
-            </a:r>
-            <a:r>
-              <a:rPr lang="en-US" dirty="0"/>
-              <a:t>, Leon </a:t>
-            </a:r>
-            <a:r>
-              <a:rPr lang="en-US" dirty="0" err="1"/>
-              <a:t>Urbas</a:t>
-            </a:r>
-            <a:r>
-              <a:rPr lang="en-UM" dirty="0"/>
-              <a:t> and </a:t>
-            </a:r>
-            <a:r>
-              <a:rPr lang="en-US" dirty="0"/>
-              <a:t>Jan </a:t>
-            </a:r>
-            <a:r>
-              <a:rPr lang="en-US" dirty="0" err="1"/>
-              <a:t>Hladik</a:t>
-            </a:r>
-            <a:r>
-              <a:rPr lang="en-UM" dirty="0"/>
-              <a:t>)</a:t>
-            </a:r>
-          </a:p>
-          <a:p>
-            <a:pPr>
-              <a:buFont typeface="Wingdings" panose="05000000000000000000" pitchFamily="2" charset="2"/>
-              <a:buChar char="Ø"/>
-            </a:pPr>
-            <a:r>
-              <a:rPr lang="en-US" dirty="0"/>
-              <a:t>T</a:t>
-            </a:r>
-            <a:r>
-              <a:rPr lang="en-UM" dirty="0"/>
-              <a:t>h</a:t>
-            </a:r>
-            <a:r>
-              <a:rPr lang="en-US" dirty="0"/>
-              <a:t>e</a:t>
-            </a:r>
-            <a:r>
-              <a:rPr lang="en-UM" dirty="0"/>
-              <a:t>y </a:t>
-            </a:r>
-            <a:r>
-              <a:rPr lang="en-US" dirty="0"/>
-              <a:t>f</a:t>
-            </a:r>
-            <a:r>
-              <a:rPr lang="en-UM" dirty="0"/>
-              <a:t>o</a:t>
-            </a:r>
-            <a:r>
-              <a:rPr lang="en-US" dirty="0"/>
-              <a:t>und</a:t>
-            </a:r>
-            <a:r>
-              <a:rPr lang="en-UM" dirty="0"/>
-              <a:t> </a:t>
-            </a:r>
-            <a:r>
-              <a:rPr lang="en-US" dirty="0"/>
-              <a:t>t</a:t>
-            </a:r>
-            <a:r>
-              <a:rPr lang="en-UM" dirty="0"/>
-              <a:t>h</a:t>
-            </a:r>
-            <a:r>
-              <a:rPr lang="en-US" dirty="0"/>
-              <a:t>a</a:t>
-            </a:r>
-            <a:r>
-              <a:rPr lang="en-UM" dirty="0"/>
-              <a:t>t </a:t>
-            </a:r>
-            <a:r>
-              <a:rPr lang="en-US" dirty="0"/>
-              <a:t>c</a:t>
-            </a:r>
-            <a:r>
-              <a:rPr lang="en-UM" dirty="0"/>
-              <a:t>u</a:t>
-            </a:r>
-            <a:r>
-              <a:rPr lang="en-US" dirty="0"/>
-              <a:t>r</a:t>
-            </a:r>
-            <a:r>
-              <a:rPr lang="en-UM" dirty="0"/>
-              <a:t>r</a:t>
-            </a:r>
-            <a:r>
-              <a:rPr lang="en-US" dirty="0"/>
-              <a:t>e</a:t>
-            </a:r>
-            <a:r>
-              <a:rPr lang="en-UM" dirty="0"/>
-              <a:t>n</a:t>
-            </a:r>
-            <a:r>
-              <a:rPr lang="en-US" dirty="0"/>
-              <a:t>t</a:t>
-            </a:r>
-            <a:r>
-              <a:rPr lang="en-UM" dirty="0"/>
-              <a:t> industry systems on</a:t>
-            </a:r>
-            <a:r>
-              <a:rPr lang="en-US" dirty="0"/>
-              <a:t>l</a:t>
-            </a:r>
-            <a:r>
-              <a:rPr lang="en-UM" dirty="0"/>
-              <a:t>y </a:t>
-            </a:r>
-            <a:br>
-              <a:rPr lang="en-UM" dirty="0"/>
-            </a:br>
-            <a:r>
-              <a:rPr lang="en-US" dirty="0"/>
-              <a:t>digitalized</a:t>
-            </a:r>
-            <a:r>
-              <a:rPr lang="en-UM" dirty="0"/>
-              <a:t> in certain area and the data is </a:t>
-            </a:r>
-            <a:br>
-              <a:rPr lang="en-UM" dirty="0"/>
-            </a:br>
-            <a:r>
-              <a:rPr lang="en-US" dirty="0"/>
-              <a:t>c</a:t>
-            </a:r>
-            <a:r>
-              <a:rPr lang="en-UM" dirty="0"/>
-              <a:t>o</a:t>
-            </a:r>
-            <a:r>
-              <a:rPr lang="en-US" dirty="0"/>
-              <a:t>n</a:t>
-            </a:r>
-            <a:r>
-              <a:rPr lang="en-UM" dirty="0"/>
-              <a:t>s</a:t>
-            </a:r>
-            <a:r>
-              <a:rPr lang="en-US" dirty="0" err="1"/>
-              <a:t>i</a:t>
-            </a:r>
-            <a:r>
-              <a:rPr lang="en-UM" dirty="0"/>
-              <a:t>d</a:t>
-            </a:r>
-            <a:r>
-              <a:rPr lang="en-US" dirty="0"/>
-              <a:t>e</a:t>
-            </a:r>
-            <a:r>
-              <a:rPr lang="en-UM" dirty="0" err="1"/>
-              <a:t>rablyasd</a:t>
-            </a:r>
-            <a:r>
-              <a:rPr lang="en-UM" dirty="0"/>
-              <a:t>  </a:t>
-            </a:r>
-            <a:r>
-              <a:rPr lang="en-US" dirty="0"/>
-              <a:t>u</a:t>
-            </a:r>
-            <a:r>
-              <a:rPr lang="en-UM" dirty="0"/>
-              <a:t>s</a:t>
-            </a:r>
-            <a:r>
-              <a:rPr lang="en-US" dirty="0"/>
-              <a:t>a</a:t>
-            </a:r>
-            <a:r>
-              <a:rPr lang="en-UM" dirty="0"/>
-              <a:t>b</a:t>
-            </a:r>
-            <a:r>
-              <a:rPr lang="en-US" dirty="0"/>
-              <a:t>l</a:t>
-            </a:r>
-            <a:r>
-              <a:rPr lang="en-UM" dirty="0"/>
-              <a:t>e to </a:t>
-            </a:r>
-            <a:r>
-              <a:rPr lang="en-US" dirty="0"/>
-              <a:t>that</a:t>
-            </a:r>
-            <a:r>
-              <a:rPr lang="en-UM" dirty="0"/>
-              <a:t> specific to </a:t>
-            </a:r>
-            <a:br>
-              <a:rPr lang="en-UM" dirty="0"/>
-            </a:br>
-            <a:r>
-              <a:rPr lang="en-UM" dirty="0"/>
-              <a:t>that related task. </a:t>
-            </a:r>
-          </a:p>
-          <a:p>
-            <a:pPr>
-              <a:buFont typeface="Wingdings" panose="05000000000000000000" pitchFamily="2" charset="2"/>
-              <a:buChar char="Ø"/>
-            </a:pPr>
-            <a:r>
-              <a:rPr lang="en-UM" dirty="0"/>
-              <a:t>Linked Data Adapter for OPC UA</a:t>
-            </a:r>
-          </a:p>
-          <a:p>
-            <a:pPr>
-              <a:buFont typeface="Wingdings" panose="05000000000000000000" pitchFamily="2" charset="2"/>
-              <a:buChar char="Ø"/>
-            </a:pPr>
-            <a:endParaRPr lang="en-UM" dirty="0"/>
-          </a:p>
-          <a:p>
-            <a:pPr>
-              <a:buFont typeface="Wingdings" panose="05000000000000000000" pitchFamily="2" charset="2"/>
-              <a:buChar char="Ø"/>
-            </a:pPr>
-            <a:endParaRPr lang="en-UM" dirty="0">
-              <a:latin typeface="Times New Roman" panose="02020603050405020304" pitchFamily="18" charset="0"/>
-              <a:cs typeface="Times New Roman" panose="02020603050405020304" pitchFamily="18" charset="0"/>
-            </a:endParaRPr>
-          </a:p>
-          <a:p>
-            <a:pPr marL="0" indent="0">
-              <a:buNone/>
-            </a:pPr>
-            <a:endParaRPr lang="en-UM" dirty="0">
-              <a:latin typeface="Times New Roman" panose="02020603050405020304" pitchFamily="18" charset="0"/>
-              <a:cs typeface="Times New Roman" panose="02020603050405020304" pitchFamily="18" charset="0"/>
-            </a:endParaRPr>
-          </a:p>
-          <a:p>
-            <a:pPr marL="0" indent="0">
-              <a:buNone/>
-            </a:pPr>
-            <a:endParaRPr lang="en-UM" dirty="0">
-              <a:latin typeface="Times New Roman" panose="02020603050405020304" pitchFamily="18" charset="0"/>
-              <a:cs typeface="Times New Roman" panose="02020603050405020304" pitchFamily="18" charset="0"/>
-            </a:endParaRPr>
-          </a:p>
-          <a:p>
-            <a:pPr marL="0" indent="0">
-              <a:buNone/>
-            </a:pPr>
-            <a:endParaRPr lang="en-UM" dirty="0">
-              <a:latin typeface="Times New Roman" panose="02020603050405020304" pitchFamily="18" charset="0"/>
-              <a:cs typeface="Times New Roman" panose="02020603050405020304" pitchFamily="18" charset="0"/>
-            </a:endParaRPr>
-          </a:p>
-          <a:p>
-            <a:pPr marL="0" indent="0">
-              <a:buNone/>
-            </a:pPr>
-            <a:endParaRPr lang="en-UM" dirty="0">
-              <a:latin typeface="Times New Roman" panose="02020603050405020304" pitchFamily="18" charset="0"/>
-              <a:cs typeface="Times New Roman" panose="02020603050405020304" pitchFamily="18" charset="0"/>
-            </a:endParaRPr>
-          </a:p>
-          <a:p>
-            <a:pPr marL="0" indent="0">
-              <a:buNone/>
-            </a:pPr>
-            <a:endParaRPr lang="en-US" dirty="0">
-              <a:latin typeface="Times New Roman" panose="02020603050405020304" pitchFamily="18" charset="0"/>
-              <a:cs typeface="Times New Roman" panose="02020603050405020304" pitchFamily="18" charset="0"/>
-            </a:endParaRPr>
-          </a:p>
-          <a:p>
-            <a:pPr>
-              <a:buFont typeface="Wingdings" panose="05000000000000000000" pitchFamily="2" charset="2"/>
-              <a:buChar char="q"/>
-            </a:pPr>
-            <a:endParaRPr lang="en-US" dirty="0">
-              <a:latin typeface="Times New Roman" panose="02020603050405020304" pitchFamily="18" charset="0"/>
-              <a:cs typeface="Times New Roman" panose="02020603050405020304" pitchFamily="18" charset="0"/>
-            </a:endParaRPr>
-          </a:p>
-        </p:txBody>
-      </p:sp>
-      <p:pic>
-        <p:nvPicPr>
-          <p:cNvPr id="5" name="Picture 4">
-            <a:extLst>
-              <a:ext uri="{FF2B5EF4-FFF2-40B4-BE49-F238E27FC236}">
-                <a16:creationId xmlns:a16="http://schemas.microsoft.com/office/drawing/2014/main" id="{33AE5A6C-DDF2-46F7-9B66-AB01CA2EFCD1}"/>
+                <a16:creationId xmlns:a16="http://schemas.microsoft.com/office/drawing/2014/main" id="{B1918148-1D94-4E0A-B724-7900548A395E}"/>
               </a:ext>
             </a:extLst>
           </p:cNvPr>
           <p:cNvPicPr>
-            <a:picLocks noChangeAspect="1"/>
+            <a:picLocks noGrp="1" noChangeAspect="1"/>
           </p:cNvPicPr>
-          <p:nvPr/>
+          <p:nvPr>
+            <p:ph idx="1"/>
+          </p:nvPr>
         </p:nvPicPr>
         <p:blipFill>
-          <a:blip r:embed="rId3">
-            <a:extLst>
-              <a:ext uri="{28A0092B-C50C-407E-A947-70E740481C1C}">
-                <a14:useLocalDpi xmlns:a14="http://schemas.microsoft.com/office/drawing/2010/main" val="0"/>
-              </a:ext>
-            </a:extLst>
-          </a:blip>
+          <a:blip r:embed="rId2"/>
           <a:stretch>
             <a:fillRect/>
           </a:stretch>
         </p:blipFill>
         <p:spPr>
           <a:xfrm>
-            <a:off x="8610600" y="352381"/>
-            <a:ext cx="3455648" cy="2557178"/>
+            <a:off x="1658693" y="2438399"/>
+            <a:ext cx="4834974" cy="3124200"/>
           </a:xfrm>
-          <a:prstGeom prst="roundRect">
-            <a:avLst>
-              <a:gd name="adj" fmla="val 4380"/>
-            </a:avLst>
+          <a:prstGeom prst="rect">
+            <a:avLst/>
           </a:prstGeom>
-          <a:ln w="38100">
-            <a:gradFill flip="none" rotWithShape="1">
-              <a:gsLst>
-                <a:gs pos="0">
-                  <a:schemeClr val="bg2"/>
-                </a:gs>
-                <a:gs pos="100000">
-                  <a:schemeClr val="bg2">
-                    <a:lumMod val="75000"/>
-                  </a:schemeClr>
-                </a:gs>
-              </a:gsLst>
-              <a:lin ang="5400000" scaled="0"/>
-              <a:tileRect/>
-            </a:gradFill>
-          </a:ln>
-          <a:effectLst>
-            <a:innerShdw blurRad="57150" dist="38100" dir="14460000">
-              <a:srgbClr val="000000">
-                <a:alpha val="70000"/>
-              </a:srgbClr>
-            </a:innerShdw>
-          </a:effectLst>
         </p:spPr>
       </p:pic>
+      <p:sp>
+        <p:nvSpPr>
+          <p:cNvPr id="5" name="TextBox 4">
+            <a:extLst>
+              <a:ext uri="{FF2B5EF4-FFF2-40B4-BE49-F238E27FC236}">
+                <a16:creationId xmlns:a16="http://schemas.microsoft.com/office/drawing/2014/main" id="{551AA3F1-C3D0-46AF-86E5-786F621E3B73}"/>
+              </a:ext>
+            </a:extLst>
+          </p:cNvPr>
+          <p:cNvSpPr txBox="1"/>
+          <p:nvPr/>
+        </p:nvSpPr>
+        <p:spPr>
+          <a:xfrm>
+            <a:off x="6720397" y="2645546"/>
+            <a:ext cx="5471604" cy="5632311"/>
+          </a:xfrm>
+          <a:prstGeom prst="rect">
+            <a:avLst/>
+          </a:prstGeom>
+          <a:noFill/>
+        </p:spPr>
+        <p:txBody>
+          <a:bodyPr wrap="square" rtlCol="0">
+            <a:spAutoFit/>
+          </a:bodyPr>
+          <a:lstStyle/>
+          <a:p>
+            <a:pPr marL="285750" indent="-285750">
+              <a:buFont typeface="Wingdings" panose="05000000000000000000" pitchFamily="2" charset="2"/>
+              <a:buChar char="Ø"/>
+            </a:pPr>
+            <a:r>
+              <a:rPr lang="en-US" dirty="0"/>
+              <a:t>IIOT</a:t>
+            </a:r>
+          </a:p>
+          <a:p>
+            <a:pPr marL="285750" indent="-285750">
+              <a:buFont typeface="Wingdings" panose="05000000000000000000" pitchFamily="2" charset="2"/>
+              <a:buChar char="Ø"/>
+            </a:pPr>
+            <a:r>
+              <a:rPr lang="en-US" dirty="0"/>
+              <a:t>IOT</a:t>
+            </a:r>
+          </a:p>
+          <a:p>
+            <a:pPr marL="285750" indent="-285750">
+              <a:buFont typeface="Wingdings" panose="05000000000000000000" pitchFamily="2" charset="2"/>
+              <a:buChar char="Ø"/>
+            </a:pPr>
+            <a:r>
+              <a:rPr lang="en-US" dirty="0">
+                <a:solidFill>
+                  <a:srgbClr val="333333"/>
+                </a:solidFill>
+                <a:latin typeface="Georgia" panose="02040502050405020303" pitchFamily="18" charset="0"/>
+              </a:rPr>
+              <a:t>Using SPARQL to Query </a:t>
+            </a:r>
+            <a:r>
+              <a:rPr lang="en-US" dirty="0" err="1">
+                <a:solidFill>
+                  <a:srgbClr val="333333"/>
+                </a:solidFill>
+                <a:latin typeface="Georgia" panose="02040502050405020303" pitchFamily="18" charset="0"/>
+              </a:rPr>
+              <a:t>BioPortal</a:t>
+            </a:r>
+            <a:r>
+              <a:rPr lang="en-US" dirty="0">
+                <a:solidFill>
+                  <a:srgbClr val="333333"/>
+                </a:solidFill>
+                <a:latin typeface="Georgia" panose="02040502050405020303" pitchFamily="18" charset="0"/>
+              </a:rPr>
+              <a:t> Ontologies and Metadata</a:t>
+            </a:r>
+          </a:p>
+          <a:p>
+            <a:pPr marL="285750" indent="-285750">
+              <a:buFont typeface="Wingdings" panose="05000000000000000000" pitchFamily="2" charset="2"/>
+              <a:buChar char="Ø"/>
+            </a:pPr>
+            <a:r>
+              <a:rPr lang="en-US" dirty="0">
+                <a:solidFill>
+                  <a:srgbClr val="333333"/>
+                </a:solidFill>
+                <a:latin typeface="Arial" panose="020B0604020202020204" pitchFamily="34" charset="0"/>
+              </a:rPr>
+              <a:t>Performance Evaluation of Storage-Independent Model for SPARQL-to-SQL Translation Algorithms</a:t>
+            </a:r>
+          </a:p>
+          <a:p>
+            <a:pPr marL="285750" indent="-285750">
+              <a:buFont typeface="Wingdings" panose="05000000000000000000" pitchFamily="2" charset="2"/>
+              <a:buChar char="Ø"/>
+            </a:pPr>
+            <a:endParaRPr lang="en-US" dirty="0"/>
+          </a:p>
+          <a:p>
+            <a:pPr marL="285750" indent="-285750">
+              <a:buFont typeface="Wingdings" panose="05000000000000000000" pitchFamily="2" charset="2"/>
+              <a:buChar char="Ø"/>
+            </a:pPr>
+            <a:r>
+              <a:rPr lang="en-US" dirty="0">
+                <a:solidFill>
+                  <a:srgbClr val="333333"/>
+                </a:solidFill>
+                <a:latin typeface="Arial" panose="020B0604020202020204" pitchFamily="34" charset="0"/>
+              </a:rPr>
+              <a:t>A Semantic Bayesian Network for Web Mashup Network Construction</a:t>
+            </a:r>
+          </a:p>
+          <a:p>
+            <a:pPr marL="285750" indent="-285750">
+              <a:buFont typeface="Wingdings" panose="05000000000000000000" pitchFamily="2" charset="2"/>
+              <a:buChar char="Ø"/>
+            </a:pPr>
+            <a:endParaRPr lang="en-US" dirty="0">
+              <a:solidFill>
+                <a:srgbClr val="333333"/>
+              </a:solidFill>
+              <a:latin typeface="Arial" panose="020B0604020202020204" pitchFamily="34" charset="0"/>
+            </a:endParaRPr>
+          </a:p>
+          <a:p>
+            <a:pPr marL="285750" indent="-285750">
+              <a:buFont typeface="Wingdings" panose="05000000000000000000" pitchFamily="2" charset="2"/>
+              <a:buChar char="Ø"/>
+            </a:pPr>
+            <a:endParaRPr lang="en-US" dirty="0">
+              <a:solidFill>
+                <a:srgbClr val="333333"/>
+              </a:solidFill>
+              <a:latin typeface="Georgia" panose="02040502050405020303" pitchFamily="18" charset="0"/>
+            </a:endParaRPr>
+          </a:p>
+          <a:p>
+            <a:pPr marL="285750" indent="-285750">
+              <a:buFont typeface="Wingdings" panose="05000000000000000000" pitchFamily="2" charset="2"/>
+              <a:buChar char="Ø"/>
+            </a:pPr>
+            <a:endParaRPr lang="en-US" dirty="0"/>
+          </a:p>
+          <a:p>
+            <a:pPr marL="285750" indent="-285750">
+              <a:buFont typeface="Wingdings" panose="05000000000000000000" pitchFamily="2" charset="2"/>
+              <a:buChar char="Ø"/>
+            </a:pPr>
+            <a:endParaRPr lang="en-US" b="0" i="0" dirty="0">
+              <a:solidFill>
+                <a:srgbClr val="333333"/>
+              </a:solidFill>
+              <a:effectLst/>
+              <a:latin typeface="Georgia" panose="02040502050405020303" pitchFamily="18" charset="0"/>
+            </a:endParaRPr>
+          </a:p>
+          <a:p>
+            <a:br>
+              <a:rPr lang="en-US" b="0" i="0" dirty="0">
+                <a:solidFill>
+                  <a:srgbClr val="333333"/>
+                </a:solidFill>
+                <a:effectLst/>
+                <a:latin typeface="Arial" panose="020B0604020202020204" pitchFamily="34" charset="0"/>
+              </a:rPr>
+            </a:br>
+            <a:endParaRPr lang="en-US" i="0" dirty="0">
+              <a:solidFill>
+                <a:srgbClr val="333333"/>
+              </a:solidFill>
+              <a:effectLst/>
+              <a:latin typeface="Arial" panose="020B0604020202020204" pitchFamily="34" charset="0"/>
+            </a:endParaRPr>
+          </a:p>
+          <a:p>
+            <a:pPr marL="285750" indent="-285750">
+              <a:buFont typeface="Wingdings" panose="05000000000000000000" pitchFamily="2" charset="2"/>
+              <a:buChar char="Ø"/>
+            </a:pPr>
+            <a:endParaRPr lang="en-US" i="0" dirty="0">
+              <a:solidFill>
+                <a:srgbClr val="333333"/>
+              </a:solidFill>
+              <a:effectLst/>
+              <a:latin typeface="Arial" panose="020B0604020202020204" pitchFamily="34" charset="0"/>
+            </a:endParaRPr>
+          </a:p>
+          <a:p>
+            <a:pPr marL="285750" indent="-285750">
+              <a:buFont typeface="Wingdings" panose="05000000000000000000" pitchFamily="2" charset="2"/>
+              <a:buChar char="Ø"/>
+            </a:pPr>
+            <a:endParaRPr lang="en-US" b="0" i="0" dirty="0">
+              <a:solidFill>
+                <a:srgbClr val="333333"/>
+              </a:solidFill>
+              <a:effectLst/>
+              <a:latin typeface="Georgia" panose="02040502050405020303" pitchFamily="18" charset="0"/>
+            </a:endParaRPr>
+          </a:p>
+          <a:p>
+            <a:pPr marL="285750" indent="-285750">
+              <a:buFont typeface="Wingdings" panose="05000000000000000000" pitchFamily="2" charset="2"/>
+              <a:buChar char="Ø"/>
+            </a:pPr>
+            <a:endParaRPr lang="en-US" dirty="0"/>
+          </a:p>
+          <a:p>
+            <a:pPr marL="285750" indent="-285750">
+              <a:buFont typeface="Wingdings" panose="05000000000000000000" pitchFamily="2" charset="2"/>
+              <a:buChar char="Ø"/>
+            </a:pPr>
+            <a:endParaRPr lang="en-US" dirty="0"/>
+          </a:p>
+        </p:txBody>
+      </p:sp>
     </p:spTree>
     <p:extLst>
       <p:ext uri="{BB962C8B-B14F-4D97-AF65-F5344CB8AC3E}">
-        <p14:creationId xmlns:p14="http://schemas.microsoft.com/office/powerpoint/2010/main" val="1811824934"/>
+        <p14:creationId xmlns:p14="http://schemas.microsoft.com/office/powerpoint/2010/main" val="3815440481"/>
+      </p:ext>
+    </p:extLst>
+  </p:cSld>
+  <p:clrMapOvr>
+    <a:masterClrMapping/>
+  </p:clrMapOvr>
+  <p:timing>
+    <p:tnLst>
+      <p:par>
+        <p:cTn id="1" dur="indefinite" restart="never" nodeType="tmRoot">
+          <p:childTnLst>
+            <p:seq concurrent="1" nextAc="seek">
+              <p:cTn id="2" dur="indefinite" nodeType="mainSeq">
+                <p:childTnLst>
+                  <p:par>
+                    <p:cTn id="3" fill="hold">
+                      <p:stCondLst>
+                        <p:cond delay="indefinite"/>
+                      </p:stCondLst>
+                      <p:childTnLst>
+                        <p:par>
+                          <p:cTn id="4" fill="hold">
+                            <p:stCondLst>
+                              <p:cond delay="0"/>
+                            </p:stCondLst>
+                            <p:childTnLst>
+                              <p:par>
+                                <p:cTn id="5" presetID="2" presetClass="entr" presetSubtype="4" fill="hold" nodeType="clickEffect">
+                                  <p:stCondLst>
+                                    <p:cond delay="0"/>
+                                  </p:stCondLst>
+                                  <p:childTnLst>
+                                    <p:set>
+                                      <p:cBhvr>
+                                        <p:cTn id="6" dur="1" fill="hold">
+                                          <p:stCondLst>
+                                            <p:cond delay="0"/>
+                                          </p:stCondLst>
+                                        </p:cTn>
+                                        <p:tgtEl>
+                                          <p:spTgt spid="4"/>
+                                        </p:tgtEl>
+                                        <p:attrNameLst>
+                                          <p:attrName>style.visibility</p:attrName>
+                                        </p:attrNameLst>
+                                      </p:cBhvr>
+                                      <p:to>
+                                        <p:strVal val="visible"/>
+                                      </p:to>
+                                    </p:set>
+                                    <p:anim calcmode="lin" valueType="num">
+                                      <p:cBhvr additive="base">
+                                        <p:cTn id="7" dur="500" fill="hold"/>
+                                        <p:tgtEl>
+                                          <p:spTgt spid="4"/>
+                                        </p:tgtEl>
+                                        <p:attrNameLst>
+                                          <p:attrName>ppt_x</p:attrName>
+                                        </p:attrNameLst>
+                                      </p:cBhvr>
+                                      <p:tavLst>
+                                        <p:tav tm="0">
+                                          <p:val>
+                                            <p:strVal val="#ppt_x"/>
+                                          </p:val>
+                                        </p:tav>
+                                        <p:tav tm="100000">
+                                          <p:val>
+                                            <p:strVal val="#ppt_x"/>
+                                          </p:val>
+                                        </p:tav>
+                                      </p:tavLst>
+                                    </p:anim>
+                                    <p:anim calcmode="lin" valueType="num">
+                                      <p:cBhvr additive="base">
+                                        <p:cTn id="8" dur="500" fill="hold"/>
+                                        <p:tgtEl>
+                                          <p:spTgt spid="4"/>
+                                        </p:tgtEl>
+                                        <p:attrNameLst>
+                                          <p:attrName>ppt_y</p:attrName>
+                                        </p:attrNameLst>
+                                      </p:cBhvr>
+                                      <p:tavLst>
+                                        <p:tav tm="0">
+                                          <p:val>
+                                            <p:strVal val="1+#ppt_h/2"/>
+                                          </p:val>
+                                        </p:tav>
+                                        <p:tav tm="100000">
+                                          <p:val>
+                                            <p:strVal val="#ppt_y"/>
+                                          </p:val>
+                                        </p:tav>
+                                      </p:tavLst>
+                                    </p:anim>
+                                  </p:childTnLst>
+                                </p:cTn>
+                              </p:par>
+                            </p:childTnLst>
+                          </p:cTn>
+                        </p:par>
+                      </p:childTnLst>
+                    </p:cTn>
+                  </p:par>
+                  <p:par>
+                    <p:cTn id="9" fill="hold">
+                      <p:stCondLst>
+                        <p:cond delay="indefinite"/>
+                      </p:stCondLst>
+                      <p:childTnLst>
+                        <p:par>
+                          <p:cTn id="10" fill="hold">
+                            <p:stCondLst>
+                              <p:cond delay="0"/>
+                            </p:stCondLst>
+                            <p:childTnLst>
+                              <p:par>
+                                <p:cTn id="11" presetID="1" presetClass="entr" presetSubtype="0" fill="hold" nodeType="clickEffect">
+                                  <p:stCondLst>
+                                    <p:cond delay="0"/>
+                                  </p:stCondLst>
+                                  <p:childTnLst>
+                                    <p:set>
+                                      <p:cBhvr>
+                                        <p:cTn id="12" dur="1" fill="hold">
+                                          <p:stCondLst>
+                                            <p:cond delay="0"/>
+                                          </p:stCondLst>
+                                        </p:cTn>
+                                        <p:tgtEl>
+                                          <p:spTgt spid="5">
+                                            <p:txEl>
+                                              <p:pRg st="0" end="0"/>
+                                            </p:txEl>
+                                          </p:spTgt>
+                                        </p:tgtEl>
+                                        <p:attrNameLst>
+                                          <p:attrName>style.visibility</p:attrName>
+                                        </p:attrNameLst>
+                                      </p:cBhvr>
+                                      <p:to>
+                                        <p:strVal val="visible"/>
+                                      </p:to>
+                                    </p:set>
+                                  </p:childTnLst>
+                                </p:cTn>
+                              </p:par>
+                            </p:childTnLst>
+                          </p:cTn>
+                        </p:par>
+                      </p:childTnLst>
+                    </p:cTn>
+                  </p:par>
+                  <p:par>
+                    <p:cTn id="13" fill="hold">
+                      <p:stCondLst>
+                        <p:cond delay="indefinite"/>
+                      </p:stCondLst>
+                      <p:childTnLst>
+                        <p:par>
+                          <p:cTn id="14" fill="hold">
+                            <p:stCondLst>
+                              <p:cond delay="0"/>
+                            </p:stCondLst>
+                            <p:childTnLst>
+                              <p:par>
+                                <p:cTn id="15" presetID="1" presetClass="entr" presetSubtype="0" fill="hold" nodeType="clickEffect">
+                                  <p:stCondLst>
+                                    <p:cond delay="0"/>
+                                  </p:stCondLst>
+                                  <p:childTnLst>
+                                    <p:set>
+                                      <p:cBhvr>
+                                        <p:cTn id="16" dur="1" fill="hold">
+                                          <p:stCondLst>
+                                            <p:cond delay="0"/>
+                                          </p:stCondLst>
+                                        </p:cTn>
+                                        <p:tgtEl>
+                                          <p:spTgt spid="5">
+                                            <p:txEl>
+                                              <p:pRg st="1" end="1"/>
+                                            </p:txEl>
+                                          </p:spTgt>
+                                        </p:tgtEl>
+                                        <p:attrNameLst>
+                                          <p:attrName>style.visibility</p:attrName>
+                                        </p:attrNameLst>
+                                      </p:cBhvr>
+                                      <p:to>
+                                        <p:strVal val="visible"/>
+                                      </p:to>
+                                    </p:set>
+                                  </p:childTnLst>
+                                </p:cTn>
+                              </p:par>
+                            </p:childTnLst>
+                          </p:cTn>
+                        </p:par>
+                      </p:childTnLst>
+                    </p:cTn>
+                  </p:par>
+                  <p:par>
+                    <p:cTn id="17" fill="hold">
+                      <p:stCondLst>
+                        <p:cond delay="indefinite"/>
+                      </p:stCondLst>
+                      <p:childTnLst>
+                        <p:par>
+                          <p:cTn id="18" fill="hold">
+                            <p:stCondLst>
+                              <p:cond delay="0"/>
+                            </p:stCondLst>
+                            <p:childTnLst>
+                              <p:par>
+                                <p:cTn id="19" presetID="1" presetClass="entr" presetSubtype="0" fill="hold" nodeType="clickEffect">
+                                  <p:stCondLst>
+                                    <p:cond delay="0"/>
+                                  </p:stCondLst>
+                                  <p:childTnLst>
+                                    <p:set>
+                                      <p:cBhvr>
+                                        <p:cTn id="20" dur="1" fill="hold">
+                                          <p:stCondLst>
+                                            <p:cond delay="0"/>
+                                          </p:stCondLst>
+                                        </p:cTn>
+                                        <p:tgtEl>
+                                          <p:spTgt spid="5">
+                                            <p:txEl>
+                                              <p:pRg st="2" end="2"/>
+                                            </p:txEl>
+                                          </p:spTgt>
+                                        </p:tgtEl>
+                                        <p:attrNameLst>
+                                          <p:attrName>style.visibility</p:attrName>
+                                        </p:attrNameLst>
+                                      </p:cBhvr>
+                                      <p:to>
+                                        <p:strVal val="visible"/>
+                                      </p:to>
+                                    </p:set>
+                                  </p:childTnLst>
+                                </p:cTn>
+                              </p:par>
+                            </p:childTnLst>
+                          </p:cTn>
+                        </p:par>
+                      </p:childTnLst>
+                    </p:cTn>
+                  </p:par>
+                  <p:par>
+                    <p:cTn id="21" fill="hold">
+                      <p:stCondLst>
+                        <p:cond delay="indefinite"/>
+                      </p:stCondLst>
+                      <p:childTnLst>
+                        <p:par>
+                          <p:cTn id="22" fill="hold">
+                            <p:stCondLst>
+                              <p:cond delay="0"/>
+                            </p:stCondLst>
+                            <p:childTnLst>
+                              <p:par>
+                                <p:cTn id="23" presetID="1" presetClass="entr" presetSubtype="0" fill="hold" nodeType="clickEffect">
+                                  <p:stCondLst>
+                                    <p:cond delay="0"/>
+                                  </p:stCondLst>
+                                  <p:childTnLst>
+                                    <p:set>
+                                      <p:cBhvr>
+                                        <p:cTn id="24" dur="1" fill="hold">
+                                          <p:stCondLst>
+                                            <p:cond delay="0"/>
+                                          </p:stCondLst>
+                                        </p:cTn>
+                                        <p:tgtEl>
+                                          <p:spTgt spid="5">
+                                            <p:txEl>
+                                              <p:pRg st="3" end="3"/>
+                                            </p:txEl>
+                                          </p:spTgt>
+                                        </p:tgtEl>
+                                        <p:attrNameLst>
+                                          <p:attrName>style.visibility</p:attrName>
+                                        </p:attrNameLst>
+                                      </p:cBhvr>
+                                      <p:to>
+                                        <p:strVal val="visible"/>
+                                      </p:to>
+                                    </p:set>
+                                  </p:childTnLst>
+                                </p:cTn>
+                              </p:par>
+                            </p:childTnLst>
+                          </p:cTn>
+                        </p:par>
+                      </p:childTnLst>
+                    </p:cTn>
+                  </p:par>
+                  <p:par>
+                    <p:cTn id="25" fill="hold">
+                      <p:stCondLst>
+                        <p:cond delay="indefinite"/>
+                      </p:stCondLst>
+                      <p:childTnLst>
+                        <p:par>
+                          <p:cTn id="26" fill="hold">
+                            <p:stCondLst>
+                              <p:cond delay="0"/>
+                            </p:stCondLst>
+                            <p:childTnLst>
+                              <p:par>
+                                <p:cTn id="27" presetID="1" presetClass="entr" presetSubtype="0" fill="hold" nodeType="clickEffect">
+                                  <p:stCondLst>
+                                    <p:cond delay="0"/>
+                                  </p:stCondLst>
+                                  <p:childTnLst>
+                                    <p:set>
+                                      <p:cBhvr>
+                                        <p:cTn id="28" dur="1" fill="hold">
+                                          <p:stCondLst>
+                                            <p:cond delay="0"/>
+                                          </p:stCondLst>
+                                        </p:cTn>
+                                        <p:tgtEl>
+                                          <p:spTgt spid="5">
+                                            <p:txEl>
+                                              <p:pRg st="5" end="5"/>
+                                            </p:txEl>
+                                          </p:spTgt>
+                                        </p:tgtEl>
+                                        <p:attrNameLst>
+                                          <p:attrName>style.visibility</p:attrName>
+                                        </p:attrNameLst>
+                                      </p:cBhvr>
+                                      <p:to>
+                                        <p:strVal val="visible"/>
+                                      </p:to>
+                                    </p:set>
+                                  </p:childTnLst>
+                                </p:cTn>
+                              </p:par>
+                            </p:childTnLst>
+                          </p:cTn>
+                        </p:par>
+                      </p:childTnLst>
+                    </p:cTn>
+                  </p:par>
+                </p:childTnLst>
+              </p:cTn>
+              <p:prevCondLst>
+                <p:cond evt="onPrev" delay="0">
+                  <p:tgtEl>
+                    <p:sldTgt/>
+                  </p:tgtEl>
+                </p:cond>
+              </p:prevCondLst>
+              <p:nextCondLst>
+                <p:cond evt="onNext" delay="0">
+                  <p:tgtEl>
+                    <p:sldTgt/>
+                  </p:tgtEl>
+                </p:cond>
+              </p:nextCondLst>
+            </p:seq>
+          </p:childTnLst>
+        </p:cTn>
+      </p:par>
+    </p:tnLst>
+  </p:timing>
+</p:sld>
+</file>
+
+<file path=ppt/slides/slide16.xml><?xml version="1.0" encoding="utf-8"?>
+<p:sld xmlns:a="http://schemas.openxmlformats.org/drawingml/2006/main" xmlns:r="http://schemas.openxmlformats.org/officeDocument/2006/relationships" xmlns:p="http://schemas.openxmlformats.org/presentationml/2006/main">
+  <p:cSld>
+    <p:spTree>
+      <p:nvGrpSpPr>
+        <p:cNvPr id="1" name=""/>
+        <p:cNvGrpSpPr/>
+        <p:nvPr/>
+      </p:nvGrpSpPr>
+      <p:grpSpPr>
+        <a:xfrm>
+          <a:off x="0" y="0"/>
+          <a:ext cx="0" cy="0"/>
+          <a:chOff x="0" y="0"/>
+          <a:chExt cx="0" cy="0"/>
+        </a:xfrm>
+      </p:grpSpPr>
+      <p:sp>
+        <p:nvSpPr>
+          <p:cNvPr id="2" name="Title 1">
+            <a:extLst>
+              <a:ext uri="{FF2B5EF4-FFF2-40B4-BE49-F238E27FC236}">
+                <a16:creationId xmlns:a16="http://schemas.microsoft.com/office/drawing/2014/main" id="{23B4AF99-7FBA-495B-94A1-435CF29E65A6}"/>
+              </a:ext>
+            </a:extLst>
+          </p:cNvPr>
+          <p:cNvSpPr>
+            <a:spLocks noGrp="1"/>
+          </p:cNvSpPr>
+          <p:nvPr>
+            <p:ph type="title"/>
+          </p:nvPr>
+        </p:nvSpPr>
+        <p:spPr>
+          <a:xfrm>
+            <a:off x="1484311" y="685801"/>
+            <a:ext cx="10018713" cy="548196"/>
+          </a:xfrm>
+        </p:spPr>
+        <p:txBody>
+          <a:bodyPr>
+            <a:normAutofit fontScale="90000"/>
+          </a:bodyPr>
+          <a:lstStyle/>
+          <a:p>
+            <a:r>
+              <a:rPr lang="en-US" b="0" i="0" dirty="0">
+                <a:effectLst/>
+                <a:latin typeface="Noto Serif"/>
+              </a:rPr>
+              <a:t>what raises questions, doubts and why, </a:t>
+            </a:r>
+            <a:endParaRPr lang="en-US" dirty="0"/>
+          </a:p>
+        </p:txBody>
+      </p:sp>
+      <p:sp>
+        <p:nvSpPr>
+          <p:cNvPr id="3" name="Content Placeholder 2">
+            <a:extLst>
+              <a:ext uri="{FF2B5EF4-FFF2-40B4-BE49-F238E27FC236}">
+                <a16:creationId xmlns:a16="http://schemas.microsoft.com/office/drawing/2014/main" id="{491A577D-B7EB-4DAD-BB4E-F7D68BAB3A7F}"/>
+              </a:ext>
+            </a:extLst>
+          </p:cNvPr>
+          <p:cNvSpPr>
+            <a:spLocks noGrp="1"/>
+          </p:cNvSpPr>
+          <p:nvPr>
+            <p:ph idx="1"/>
+          </p:nvPr>
+        </p:nvSpPr>
+        <p:spPr>
+          <a:xfrm>
+            <a:off x="1484310" y="1322773"/>
+            <a:ext cx="10018713" cy="4468427"/>
+          </a:xfrm>
+        </p:spPr>
+        <p:txBody>
+          <a:bodyPr/>
+          <a:lstStyle/>
+          <a:p>
+            <a:r>
+              <a:rPr lang="en-US" dirty="0"/>
+              <a:t>9 example queries of OPC UA</a:t>
+            </a:r>
+          </a:p>
+          <a:p>
+            <a:pPr marL="0" indent="0">
+              <a:buNone/>
+            </a:pPr>
+            <a:endParaRPr lang="en-US" dirty="0"/>
+          </a:p>
+        </p:txBody>
+      </p:sp>
+    </p:spTree>
+    <p:extLst>
+      <p:ext uri="{BB962C8B-B14F-4D97-AF65-F5344CB8AC3E}">
+        <p14:creationId xmlns:p14="http://schemas.microsoft.com/office/powerpoint/2010/main" val="1111694392"/>
       </p:ext>
     </p:extLst>
   </p:cSld>
